--- a/doc/ASAP_capstone.pptx
+++ b/doc/ASAP_capstone.pptx
@@ -3544,7 +3544,7 @@
         </p:nvSpPr>
         <p:spPr>
           <a:xfrm>
-            <a:off x="0" y="4677655"/>
+            <a:off x="379141" y="4656463"/>
             <a:ext cx="14849856" cy="1569660"/>
           </a:xfrm>
           <a:prstGeom prst="rect">
@@ -3579,7 +3579,7 @@
         </p:nvSpPr>
         <p:spPr>
           <a:xfrm>
-            <a:off x="16481995" y="4715893"/>
+            <a:off x="1339260" y="16781856"/>
             <a:ext cx="12929616" cy="1569660"/>
           </a:xfrm>
           <a:prstGeom prst="rect">
@@ -3614,8 +3614,8 @@
         </p:nvSpPr>
         <p:spPr>
           <a:xfrm>
-            <a:off x="914400" y="6673445"/>
-            <a:ext cx="5852160" cy="2862322"/>
+            <a:off x="1117924" y="6456454"/>
+            <a:ext cx="13372288" cy="10095071"/>
           </a:xfrm>
           <a:prstGeom prst="rect">
             <a:avLst/>
@@ -3628,23 +3628,46 @@
           </a:bodyPr>
           <a:lstStyle/>
           <a:p>
-            <a:r>
-              <a:rPr lang="en-US" sz="6000" dirty="0"/>
-              <a:t>Solar energy</a:t>
-            </a:r>
-          </a:p>
-          <a:p>
-            <a:r>
-              <a:rPr lang="en-US" sz="6000" dirty="0"/>
-              <a:t>Lidar</a:t>
-            </a:r>
-          </a:p>
-          <a:p>
-            <a:r>
-              <a:rPr lang="en-US" sz="6000" dirty="0" err="1"/>
+            <a:pPr algn="just">
+              <a:spcAft>
+                <a:spcPts val="1200"/>
+              </a:spcAft>
+            </a:pPr>
+            <a:r>
+              <a:rPr lang="en-US" sz="4000" dirty="0"/>
+              <a:t>Solar energy, one of the green energy, has attracted much attention because of its abundance. The most commonly used device to convert solar energy to electricity is solar panels. However, locating suitable place to install solar panels is time-consuming and inefficient.</a:t>
+            </a:r>
+          </a:p>
+          <a:p>
+            <a:pPr algn="just"/>
+            <a:r>
+              <a:rPr lang="en-US" sz="4000" dirty="0"/>
+              <a:t>In this project, we focus on predicting potential solar sites, including rooftops, parking lots and parking structures for commercial photovoltaics. Solar energy calculation model is built based on packages in </a:t>
+            </a:r>
+            <a:r>
+              <a:rPr lang="en-US" sz="4000" dirty="0" err="1"/>
               <a:t>Arcgis</a:t>
             </a:r>
-            <a:endParaRPr lang="en-US" sz="6000" dirty="0"/>
+            <a:r>
+              <a:rPr lang="en-US" sz="4000" dirty="0"/>
+              <a:t> Desktop software</a:t>
+            </a:r>
+            <a:r>
+              <a:rPr lang="en-US" sz="4000" baseline="30000" dirty="0"/>
+              <a:t>[1]</a:t>
+            </a:r>
+            <a:r>
+              <a:rPr lang="en-US" sz="4000" dirty="0"/>
+              <a:t> , such as aspect, slope and solar radiation. The input is Light Detection and Ranging (LIDAR) data, a remote sensing method utilized by the government. The output is </a:t>
+            </a:r>
+            <a:r>
+              <a:rPr lang="en-US" sz="4000" dirty="0" err="1"/>
+              <a:t>kml</a:t>
+            </a:r>
+            <a:r>
+              <a:rPr lang="en-US" sz="4000" dirty="0"/>
+              <a:t> files, which can be displayed in Google Earth Pro and Google Map. Unlike other PV estimation projects, our project takes omission of HVAC systems, vents and pipes on rooftops, and parking lots on the ground into consideration.</a:t>
+            </a:r>
           </a:p>
         </p:txBody>
       </p:sp>
@@ -3777,6 +3800,123 @@
             <a:r>
               <a:rPr lang="en-US" sz="6000" dirty="0"/>
               <a:t>Google map</a:t>
+            </a:r>
+          </a:p>
+        </p:txBody>
+      </p:sp>
+      <p:sp>
+        <p:nvSpPr>
+          <p:cNvPr id="2" name="TextBox 1">
+            <a:extLst>
+              <a:ext uri="{FF2B5EF4-FFF2-40B4-BE49-F238E27FC236}">
+                <a16:creationId xmlns:a16="http://schemas.microsoft.com/office/drawing/2014/main" id="{73117CEB-3247-FC4E-A988-DD4EC9ECB266}"/>
+              </a:ext>
+            </a:extLst>
+          </p:cNvPr>
+          <p:cNvSpPr txBox="1"/>
+          <p:nvPr/>
+        </p:nvSpPr>
+        <p:spPr>
+          <a:xfrm>
+            <a:off x="32422985" y="22750608"/>
+            <a:ext cx="10955259" cy="1323439"/>
+          </a:xfrm>
+          <a:prstGeom prst="rect">
+            <a:avLst/>
+          </a:prstGeom>
+          <a:noFill/>
+        </p:spPr>
+        <p:txBody>
+          <a:bodyPr wrap="square" rtlCol="0">
+            <a:spAutoFit/>
+          </a:bodyPr>
+          <a:lstStyle/>
+          <a:p>
+            <a:r>
+              <a:rPr lang="en-US" sz="4000" dirty="0"/>
+              <a:t>Reference:</a:t>
+            </a:r>
+          </a:p>
+          <a:p>
+            <a:r>
+              <a:rPr lang="en-US" sz="4000" dirty="0"/>
+              <a:t>[1]</a:t>
+            </a:r>
+          </a:p>
+        </p:txBody>
+      </p:sp>
+      <p:sp>
+        <p:nvSpPr>
+          <p:cNvPr id="27" name="TextBox 26">
+            <a:extLst>
+              <a:ext uri="{FF2B5EF4-FFF2-40B4-BE49-F238E27FC236}">
+                <a16:creationId xmlns:a16="http://schemas.microsoft.com/office/drawing/2014/main" id="{52E5D4F0-B15F-E442-869D-0E21E8A68E0A}"/>
+              </a:ext>
+            </a:extLst>
+          </p:cNvPr>
+          <p:cNvSpPr txBox="1"/>
+          <p:nvPr/>
+        </p:nvSpPr>
+        <p:spPr>
+          <a:xfrm>
+            <a:off x="1117924" y="18784665"/>
+            <a:ext cx="13372288" cy="3016210"/>
+          </a:xfrm>
+          <a:prstGeom prst="rect">
+            <a:avLst/>
+          </a:prstGeom>
+          <a:noFill/>
+        </p:spPr>
+        <p:txBody>
+          <a:bodyPr wrap="square" rtlCol="0">
+            <a:spAutoFit/>
+          </a:bodyPr>
+          <a:lstStyle/>
+          <a:p>
+            <a:pPr algn="just">
+              <a:spcAft>
+                <a:spcPts val="1200"/>
+              </a:spcAft>
+            </a:pPr>
+            <a:r>
+              <a:rPr lang="en-US" sz="4000" dirty="0"/>
+              <a:t>In this case, we </a:t>
+            </a:r>
+          </a:p>
+          <a:p>
+            <a:pPr marL="742950" indent="-742950" algn="just">
+              <a:spcAft>
+                <a:spcPts val="1200"/>
+              </a:spcAft>
+              <a:buAutoNum type="arabicPeriod"/>
+            </a:pPr>
+            <a:r>
+              <a:rPr lang="en-US" sz="4000" dirty="0"/>
+              <a:t>Create Masks</a:t>
+            </a:r>
+          </a:p>
+          <a:p>
+            <a:pPr marL="742950" indent="-742950" algn="just">
+              <a:spcAft>
+                <a:spcPts val="1200"/>
+              </a:spcAft>
+              <a:buAutoNum type="arabicPeriod"/>
+            </a:pPr>
+            <a:r>
+              <a:rPr lang="en-US" sz="4000" dirty="0"/>
+              <a:t>Calculate solar radiation</a:t>
+            </a:r>
+          </a:p>
+          <a:p>
+            <a:pPr marL="742950" indent="-742950" algn="just">
+              <a:spcAft>
+                <a:spcPts val="1200"/>
+              </a:spcAft>
+              <a:buAutoNum type="arabicPeriod"/>
+            </a:pPr>
+            <a:r>
+              <a:rPr lang="en-US" sz="4000" dirty="0"/>
+              <a:t>Compute solar energy </a:t>
             </a:r>
           </a:p>
         </p:txBody>

--- a/doc/ASAP_capstone.pptx
+++ b/doc/ASAP_capstone.pptx
@@ -243,7 +243,7 @@
           <a:p>
             <a:fld id="{334C27A1-BEB2-C84C-8355-1158A44B1DD2}" type="datetimeFigureOut">
               <a:rPr lang="en-US" smtClean="0"/>
-              <a:t>6/19/18</a:t>
+              <a:t>6/20/18</a:t>
             </a:fld>
             <a:endParaRPr lang="en-US"/>
           </a:p>
@@ -413,7 +413,7 @@
           <a:p>
             <a:fld id="{334C27A1-BEB2-C84C-8355-1158A44B1DD2}" type="datetimeFigureOut">
               <a:rPr lang="en-US" smtClean="0"/>
-              <a:t>6/19/18</a:t>
+              <a:t>6/20/18</a:t>
             </a:fld>
             <a:endParaRPr lang="en-US"/>
           </a:p>
@@ -593,7 +593,7 @@
           <a:p>
             <a:fld id="{334C27A1-BEB2-C84C-8355-1158A44B1DD2}" type="datetimeFigureOut">
               <a:rPr lang="en-US" smtClean="0"/>
-              <a:t>6/19/18</a:t>
+              <a:t>6/20/18</a:t>
             </a:fld>
             <a:endParaRPr lang="en-US"/>
           </a:p>
@@ -763,7 +763,7 @@
           <a:p>
             <a:fld id="{334C27A1-BEB2-C84C-8355-1158A44B1DD2}" type="datetimeFigureOut">
               <a:rPr lang="en-US" smtClean="0"/>
-              <a:t>6/19/18</a:t>
+              <a:t>6/20/18</a:t>
             </a:fld>
             <a:endParaRPr lang="en-US"/>
           </a:p>
@@ -1007,7 +1007,7 @@
           <a:p>
             <a:fld id="{334C27A1-BEB2-C84C-8355-1158A44B1DD2}" type="datetimeFigureOut">
               <a:rPr lang="en-US" smtClean="0"/>
-              <a:t>6/19/18</a:t>
+              <a:t>6/20/18</a:t>
             </a:fld>
             <a:endParaRPr lang="en-US"/>
           </a:p>
@@ -1239,7 +1239,7 @@
           <a:p>
             <a:fld id="{334C27A1-BEB2-C84C-8355-1158A44B1DD2}" type="datetimeFigureOut">
               <a:rPr lang="en-US" smtClean="0"/>
-              <a:t>6/19/18</a:t>
+              <a:t>6/20/18</a:t>
             </a:fld>
             <a:endParaRPr lang="en-US"/>
           </a:p>
@@ -1606,7 +1606,7 @@
           <a:p>
             <a:fld id="{334C27A1-BEB2-C84C-8355-1158A44B1DD2}" type="datetimeFigureOut">
               <a:rPr lang="en-US" smtClean="0"/>
-              <a:t>6/19/18</a:t>
+              <a:t>6/20/18</a:t>
             </a:fld>
             <a:endParaRPr lang="en-US"/>
           </a:p>
@@ -1724,7 +1724,7 @@
           <a:p>
             <a:fld id="{334C27A1-BEB2-C84C-8355-1158A44B1DD2}" type="datetimeFigureOut">
               <a:rPr lang="en-US" smtClean="0"/>
-              <a:t>6/19/18</a:t>
+              <a:t>6/20/18</a:t>
             </a:fld>
             <a:endParaRPr lang="en-US"/>
           </a:p>
@@ -1819,7 +1819,7 @@
           <a:p>
             <a:fld id="{334C27A1-BEB2-C84C-8355-1158A44B1DD2}" type="datetimeFigureOut">
               <a:rPr lang="en-US" smtClean="0"/>
-              <a:t>6/19/18</a:t>
+              <a:t>6/20/18</a:t>
             </a:fld>
             <a:endParaRPr lang="en-US"/>
           </a:p>
@@ -2096,7 +2096,7 @@
           <a:p>
             <a:fld id="{334C27A1-BEB2-C84C-8355-1158A44B1DD2}" type="datetimeFigureOut">
               <a:rPr lang="en-US" smtClean="0"/>
-              <a:t>6/19/18</a:t>
+              <a:t>6/20/18</a:t>
             </a:fld>
             <a:endParaRPr lang="en-US"/>
           </a:p>
@@ -2353,7 +2353,7 @@
           <a:p>
             <a:fld id="{334C27A1-BEB2-C84C-8355-1158A44B1DD2}" type="datetimeFigureOut">
               <a:rPr lang="en-US" smtClean="0"/>
-              <a:t>6/19/18</a:t>
+              <a:t>6/20/18</a:t>
             </a:fld>
             <a:endParaRPr lang="en-US"/>
           </a:p>
@@ -2566,7 +2566,7 @@
           <a:p>
             <a:fld id="{334C27A1-BEB2-C84C-8355-1158A44B1DD2}" type="datetimeFigureOut">
               <a:rPr lang="en-US" smtClean="0"/>
-              <a:t>6/19/18</a:t>
+              <a:t>6/20/18</a:t>
             </a:fld>
             <a:endParaRPr lang="en-US"/>
           </a:p>
@@ -3509,7 +3509,7 @@
         </p:nvSpPr>
         <p:spPr>
           <a:xfrm>
-            <a:off x="31043751" y="4677655"/>
+            <a:off x="30541200" y="4802301"/>
             <a:ext cx="11756968" cy="1569660"/>
           </a:xfrm>
           <a:prstGeom prst="rect">
@@ -3650,15 +3650,7 @@
             </a:r>
             <a:r>
               <a:rPr lang="en-US" sz="4000" dirty="0"/>
-              <a:t> Desktop software</a:t>
-            </a:r>
-            <a:r>
-              <a:rPr lang="en-US" sz="4000" baseline="30000" dirty="0"/>
-              <a:t>[1]</a:t>
-            </a:r>
-            <a:r>
-              <a:rPr lang="en-US" sz="4000" dirty="0"/>
-              <a:t> , such as aspect, slope and solar radiation. The input is Light Detection and Ranging (LIDAR) data, a remote sensing method utilized by the government. The output is </a:t>
+              <a:t> Desktop software, such as aspect, slope and solar radiation. The input is Light Detection and Ranging (LIDAR) data, a remote sensing method utilized by the government. The output is </a:t>
             </a:r>
             <a:r>
               <a:rPr lang="en-US" sz="4000" dirty="0" err="1"/>
@@ -3671,86 +3663,107 @@
           </a:p>
         </p:txBody>
       </p:sp>
-      <p:sp>
-        <p:nvSpPr>
-          <p:cNvPr id="24" name="TextBox 23">
+      <p:grpSp>
+        <p:nvGrpSpPr>
+          <p:cNvPr id="14" name="Group 13">
             <a:extLst>
               <a:ext uri="{FF2B5EF4-FFF2-40B4-BE49-F238E27FC236}">
-                <a16:creationId xmlns:a16="http://schemas.microsoft.com/office/drawing/2014/main" id="{2542872F-456D-1D4B-9F3B-DB802A3450E9}"/>
+                <a16:creationId xmlns:a16="http://schemas.microsoft.com/office/drawing/2014/main" id="{B899183F-4919-9447-BB1E-1083E73CA025}"/>
               </a:ext>
             </a:extLst>
           </p:cNvPr>
-          <p:cNvSpPr txBox="1"/>
+          <p:cNvGrpSpPr/>
           <p:nvPr/>
-        </p:nvSpPr>
-        <p:spPr>
-          <a:xfrm>
-            <a:off x="20090597" y="8339328"/>
-            <a:ext cx="8842485" cy="1015663"/>
-          </a:xfrm>
-          <a:prstGeom prst="rect">
-            <a:avLst/>
-          </a:prstGeom>
-          <a:noFill/>
-        </p:spPr>
-        <p:txBody>
-          <a:bodyPr wrap="none" rtlCol="0">
-            <a:spAutoFit/>
-          </a:bodyPr>
-          <a:lstStyle/>
-          <a:p>
-            <a:r>
-              <a:rPr lang="en-US" sz="6000" dirty="0"/>
-              <a:t>Model builder from </a:t>
-            </a:r>
-            <a:r>
-              <a:rPr lang="en-US" sz="6000" dirty="0" err="1"/>
-              <a:t>Jingtian</a:t>
-            </a:r>
-            <a:endParaRPr lang="en-US" sz="6000" dirty="0"/>
-          </a:p>
-        </p:txBody>
-      </p:sp>
-      <p:sp>
-        <p:nvSpPr>
-          <p:cNvPr id="25" name="TextBox 24">
-            <a:extLst>
-              <a:ext uri="{FF2B5EF4-FFF2-40B4-BE49-F238E27FC236}">
-                <a16:creationId xmlns:a16="http://schemas.microsoft.com/office/drawing/2014/main" id="{06337C75-2175-6640-A8CE-11E362B23A5A}"/>
-              </a:ext>
-            </a:extLst>
-          </p:cNvPr>
-          <p:cNvSpPr txBox="1"/>
-          <p:nvPr/>
-        </p:nvSpPr>
-        <p:spPr>
-          <a:xfrm>
-            <a:off x="21793018" y="9691284"/>
-            <a:ext cx="5437642" cy="1015663"/>
-          </a:xfrm>
-          <a:prstGeom prst="rect">
-            <a:avLst/>
-          </a:prstGeom>
-          <a:noFill/>
-        </p:spPr>
-        <p:txBody>
-          <a:bodyPr wrap="none" rtlCol="0">
-            <a:spAutoFit/>
-          </a:bodyPr>
-          <a:lstStyle/>
-          <a:p>
-            <a:r>
-              <a:rPr lang="en-US" sz="6000" dirty="0"/>
-              <a:t>Workflow </a:t>
-            </a:r>
-            <a:r>
-              <a:rPr lang="en-US" sz="6000" dirty="0" err="1"/>
-              <a:t>XMind</a:t>
-            </a:r>
-            <a:endParaRPr lang="en-US" sz="6000" dirty="0"/>
-          </a:p>
-        </p:txBody>
-      </p:sp>
+        </p:nvGrpSpPr>
+        <p:grpSpPr>
+          <a:xfrm>
+            <a:off x="17524357" y="23559007"/>
+            <a:ext cx="8842485" cy="2367619"/>
+            <a:chOff x="17503317" y="17275519"/>
+            <a:chExt cx="8842485" cy="2367619"/>
+          </a:xfrm>
+        </p:grpSpPr>
+        <p:sp>
+          <p:nvSpPr>
+            <p:cNvPr id="24" name="TextBox 23">
+              <a:extLst>
+                <a:ext uri="{FF2B5EF4-FFF2-40B4-BE49-F238E27FC236}">
+                  <a16:creationId xmlns:a16="http://schemas.microsoft.com/office/drawing/2014/main" id="{2542872F-456D-1D4B-9F3B-DB802A3450E9}"/>
+                </a:ext>
+              </a:extLst>
+            </p:cNvPr>
+            <p:cNvSpPr txBox="1"/>
+            <p:nvPr/>
+          </p:nvSpPr>
+          <p:spPr>
+            <a:xfrm>
+              <a:off x="17503317" y="17275519"/>
+              <a:ext cx="8842485" cy="1015663"/>
+            </a:xfrm>
+            <a:prstGeom prst="rect">
+              <a:avLst/>
+            </a:prstGeom>
+            <a:noFill/>
+          </p:spPr>
+          <p:txBody>
+            <a:bodyPr wrap="none" rtlCol="0">
+              <a:spAutoFit/>
+            </a:bodyPr>
+            <a:lstStyle/>
+            <a:p>
+              <a:r>
+                <a:rPr lang="en-US" sz="6000" dirty="0"/>
+                <a:t>Model builder from </a:t>
+              </a:r>
+              <a:r>
+                <a:rPr lang="en-US" sz="6000" dirty="0" err="1"/>
+                <a:t>Jingtian</a:t>
+              </a:r>
+              <a:endParaRPr lang="en-US" sz="6000" dirty="0"/>
+            </a:p>
+          </p:txBody>
+        </p:sp>
+        <p:sp>
+          <p:nvSpPr>
+            <p:cNvPr id="25" name="TextBox 24">
+              <a:extLst>
+                <a:ext uri="{FF2B5EF4-FFF2-40B4-BE49-F238E27FC236}">
+                  <a16:creationId xmlns:a16="http://schemas.microsoft.com/office/drawing/2014/main" id="{06337C75-2175-6640-A8CE-11E362B23A5A}"/>
+                </a:ext>
+              </a:extLst>
+            </p:cNvPr>
+            <p:cNvSpPr txBox="1"/>
+            <p:nvPr/>
+          </p:nvSpPr>
+          <p:spPr>
+            <a:xfrm>
+              <a:off x="19205738" y="18627475"/>
+              <a:ext cx="5437642" cy="1015663"/>
+            </a:xfrm>
+            <a:prstGeom prst="rect">
+              <a:avLst/>
+            </a:prstGeom>
+            <a:noFill/>
+          </p:spPr>
+          <p:txBody>
+            <a:bodyPr wrap="none" rtlCol="0">
+              <a:spAutoFit/>
+            </a:bodyPr>
+            <a:lstStyle/>
+            <a:p>
+              <a:r>
+                <a:rPr lang="en-US" sz="6000" dirty="0"/>
+                <a:t>Workflow </a:t>
+              </a:r>
+              <a:r>
+                <a:rPr lang="en-US" sz="6000" dirty="0" err="1"/>
+                <a:t>XMind</a:t>
+              </a:r>
+              <a:endParaRPr lang="en-US" sz="6000" dirty="0"/>
+            </a:p>
+          </p:txBody>
+        </p:sp>
+      </p:grpSp>
       <p:sp>
         <p:nvSpPr>
           <p:cNvPr id="26" name="TextBox 25">
@@ -3765,7 +3778,7 @@
         </p:nvSpPr>
         <p:spPr>
           <a:xfrm>
-            <a:off x="34125407" y="6719611"/>
+            <a:off x="34529702" y="14658699"/>
             <a:ext cx="6741823" cy="3785652"/>
           </a:xfrm>
           <a:prstGeom prst="rect">
@@ -3860,7 +3873,7 @@
         <p:spPr>
           <a:xfrm>
             <a:off x="1117924" y="18784665"/>
-            <a:ext cx="13372288" cy="3016210"/>
+            <a:ext cx="13372288" cy="9017853"/>
           </a:xfrm>
           <a:prstGeom prst="rect">
             <a:avLst/>
@@ -3880,47 +3893,226 @@
             </a:pPr>
             <a:r>
               <a:rPr lang="en-US" sz="4000" dirty="0"/>
-              <a:t>In this case, we </a:t>
-            </a:r>
-          </a:p>
-          <a:p>
-            <a:pPr marL="742950" indent="-742950" algn="just">
+              <a:t>In order to compute solar energy, three steps are followed to complete the workflow:</a:t>
+            </a:r>
+          </a:p>
+          <a:p>
+            <a:pPr algn="just"/>
+            <a:r>
+              <a:rPr lang="en-US" sz="4000" b="1" dirty="0"/>
+              <a:t>1. Create Masks</a:t>
+            </a:r>
+          </a:p>
+          <a:p>
+            <a:pPr algn="just">
               <a:spcAft>
                 <a:spcPts val="1200"/>
               </a:spcAft>
-              <a:buAutoNum type="arabicPeriod"/>
             </a:pPr>
             <a:r>
               <a:rPr lang="en-US" sz="4000" dirty="0"/>
-              <a:t>Create Masks</a:t>
-            </a:r>
-          </a:p>
-          <a:p>
-            <a:pPr marL="742950" indent="-742950" algn="just">
+              <a:t>First, we need to filter location generating high solar energy. In this case, three conditions are chosen to consider, i.e. </a:t>
+            </a:r>
+            <a:r>
+              <a:rPr lang="en-US" sz="4000" b="1" dirty="0" err="1"/>
+              <a:t>hillshade</a:t>
+            </a:r>
+            <a:r>
+              <a:rPr lang="en-US" sz="4000" b="1" dirty="0"/>
+              <a:t>, aspect and slope</a:t>
+            </a:r>
+            <a:r>
+              <a:rPr lang="en-US" sz="4000" dirty="0"/>
+              <a:t>. </a:t>
+            </a:r>
+            <a:r>
+              <a:rPr lang="en-US" sz="4000" dirty="0" err="1"/>
+              <a:t>Hillshade</a:t>
+            </a:r>
+            <a:r>
+              <a:rPr lang="en-US" sz="4000" dirty="0"/>
+              <a:t> eliminates places where the sun is blocked by other buildings so they cannot receive high solar radiation. The aspect of the solar panels should be south facing or horizontal to have a higher solar power output because Anchorage is located in the northern hemisphere. Slope allows for installing solar panels, which means slope should be less than 35 degrees. All three conditions create masks to detect spots proper to obtain solar energy.</a:t>
+            </a:r>
+          </a:p>
+          <a:p>
+            <a:pPr algn="just">
               <a:spcAft>
                 <a:spcPts val="1200"/>
               </a:spcAft>
-              <a:buAutoNum type="arabicPeriod"/>
             </a:pPr>
             <a:r>
-              <a:rPr lang="en-US" sz="4000" dirty="0"/>
-              <a:t>Calculate solar radiation</a:t>
-            </a:r>
-          </a:p>
-          <a:p>
-            <a:pPr marL="742950" indent="-742950" algn="just">
+              <a:rPr lang="en-US" sz="4000" b="1" dirty="0"/>
+              <a:t>2. Calculate Solar Radiation</a:t>
+            </a:r>
+          </a:p>
+        </p:txBody>
+      </p:sp>
+      <p:sp>
+        <p:nvSpPr>
+          <p:cNvPr id="28" name="TextBox 27">
+            <a:extLst>
+              <a:ext uri="{FF2B5EF4-FFF2-40B4-BE49-F238E27FC236}">
+                <a16:creationId xmlns:a16="http://schemas.microsoft.com/office/drawing/2014/main" id="{6F67B3BF-4CC7-8143-99DC-EF0BBB10F46B}"/>
+              </a:ext>
+            </a:extLst>
+          </p:cNvPr>
+          <p:cNvSpPr txBox="1"/>
+          <p:nvPr/>
+        </p:nvSpPr>
+        <p:spPr>
+          <a:xfrm>
+            <a:off x="15425732" y="4654801"/>
+            <a:ext cx="13372288" cy="8863965"/>
+          </a:xfrm>
+          <a:prstGeom prst="rect">
+            <a:avLst/>
+          </a:prstGeom>
+          <a:noFill/>
+        </p:spPr>
+        <p:txBody>
+          <a:bodyPr wrap="square" rtlCol="0">
+            <a:spAutoFit/>
+          </a:bodyPr>
+          <a:lstStyle/>
+          <a:p>
+            <a:pPr algn="just">
               <a:spcAft>
                 <a:spcPts val="1200"/>
               </a:spcAft>
-              <a:buAutoNum type="arabicPeriod"/>
             </a:pPr>
             <a:r>
               <a:rPr lang="en-US" sz="4000" dirty="0"/>
-              <a:t>Compute solar energy </a:t>
-            </a:r>
-          </a:p>
-        </p:txBody>
-      </p:sp>
+              <a:t>After masking, the remaining areas are used to calculate solar radiation. </a:t>
+            </a:r>
+            <a:r>
+              <a:rPr lang="en-US" sz="4000" dirty="0" err="1"/>
+              <a:t>Arcgis</a:t>
+            </a:r>
+            <a:r>
+              <a:rPr lang="en-US" sz="4000" dirty="0"/>
+              <a:t> has a powerful tool -- Solar Radiation tool, which can derive incoming solar radiation during a year. This is based on </a:t>
+            </a:r>
+            <a:r>
+              <a:rPr lang="en-US" sz="4000" b="1" dirty="0"/>
+              <a:t>hemispherical viewshed algorithm </a:t>
+            </a:r>
+            <a:r>
+              <a:rPr lang="en-US" sz="4000" dirty="0"/>
+              <a:t>developed by Rich and Fu, taking into account direct radiation and diffuse radiation. However, compared to System Advisor Model (SAM), this tool neglects local meteorological</a:t>
+            </a:r>
+            <a:r>
+              <a:rPr lang="zh-CN" altLang="en-US" sz="4000" dirty="0"/>
+              <a:t> </a:t>
+            </a:r>
+            <a:r>
+              <a:rPr lang="en-US" altLang="zh-CN" sz="4000" dirty="0"/>
+              <a:t>data, making the results less accurate.</a:t>
+            </a:r>
+            <a:endParaRPr lang="en-US" sz="4000" dirty="0"/>
+          </a:p>
+          <a:p>
+            <a:pPr algn="just"/>
+            <a:r>
+              <a:rPr lang="en-US" sz="4000" b="1" dirty="0"/>
+              <a:t>3. Compute Solar Energy</a:t>
+            </a:r>
+          </a:p>
+          <a:p>
+            <a:pPr algn="just"/>
+            <a:r>
+              <a:rPr lang="en-US" sz="4000" dirty="0"/>
+              <a:t>Combining area of rooftops or parking lots and solar radiation they collect, we can attain the overall solar energy they produce. When converting into </a:t>
+            </a:r>
+            <a:r>
+              <a:rPr lang="en-US" sz="4000" dirty="0" err="1"/>
+              <a:t>kml</a:t>
+            </a:r>
+            <a:r>
+              <a:rPr lang="en-US" sz="4000" dirty="0"/>
+              <a:t> files, which can open by Google Earth Pro and Google Map, one can easily decide if it is worthwhile to planting solar panels in this specific location.</a:t>
+            </a:r>
+          </a:p>
+        </p:txBody>
+      </p:sp>
+      <p:sp>
+        <p:nvSpPr>
+          <p:cNvPr id="29" name="TextBox 28">
+            <a:extLst>
+              <a:ext uri="{FF2B5EF4-FFF2-40B4-BE49-F238E27FC236}">
+                <a16:creationId xmlns:a16="http://schemas.microsoft.com/office/drawing/2014/main" id="{9F33EA44-5A94-6F40-9E72-F124B4B0059A}"/>
+              </a:ext>
+            </a:extLst>
+          </p:cNvPr>
+          <p:cNvSpPr txBox="1"/>
+          <p:nvPr/>
+        </p:nvSpPr>
+        <p:spPr>
+          <a:xfrm>
+            <a:off x="29733540" y="6452630"/>
+            <a:ext cx="13372288" cy="1477328"/>
+          </a:xfrm>
+          <a:prstGeom prst="rect">
+            <a:avLst/>
+          </a:prstGeom>
+          <a:noFill/>
+        </p:spPr>
+        <p:txBody>
+          <a:bodyPr wrap="square" rtlCol="0">
+            <a:spAutoFit/>
+          </a:bodyPr>
+          <a:lstStyle/>
+          <a:p>
+            <a:pPr algn="just">
+              <a:spcAft>
+                <a:spcPts val="1200"/>
+              </a:spcAft>
+            </a:pPr>
+            <a:r>
+              <a:rPr lang="en-US" sz="4000" dirty="0" err="1"/>
+              <a:t>Sadffd</a:t>
+            </a:r>
+            <a:endParaRPr lang="en-US" sz="4000" dirty="0"/>
+          </a:p>
+          <a:p>
+            <a:pPr algn="just">
+              <a:spcAft>
+                <a:spcPts val="1200"/>
+              </a:spcAft>
+            </a:pPr>
+            <a:endParaRPr lang="en-US" sz="4000" dirty="0"/>
+          </a:p>
+        </p:txBody>
+      </p:sp>
+      <p:pic>
+        <p:nvPicPr>
+          <p:cNvPr id="18" name="Picture 17">
+            <a:extLst>
+              <a:ext uri="{FF2B5EF4-FFF2-40B4-BE49-F238E27FC236}">
+                <a16:creationId xmlns:a16="http://schemas.microsoft.com/office/drawing/2014/main" id="{745BF4C6-F08A-2642-8B41-BE5DE83F2A42}"/>
+              </a:ext>
+            </a:extLst>
+          </p:cNvPr>
+          <p:cNvPicPr>
+            <a:picLocks noChangeAspect="1"/>
+          </p:cNvPicPr>
+          <p:nvPr/>
+        </p:nvPicPr>
+        <p:blipFill>
+          <a:blip r:embed="rId4"/>
+          <a:stretch>
+            <a:fillRect/>
+          </a:stretch>
+        </p:blipFill>
+        <p:spPr>
+          <a:xfrm>
+            <a:off x="15228997" y="13749097"/>
+            <a:ext cx="13791921" cy="5710717"/>
+          </a:xfrm>
+          <a:prstGeom prst="rect">
+            <a:avLst/>
+          </a:prstGeom>
+        </p:spPr>
+      </p:pic>
     </p:spTree>
     <p:extLst>
       <p:ext uri="{BB962C8B-B14F-4D97-AF65-F5344CB8AC3E}">

--- a/doc/ASAP_capstone.pptx
+++ b/doc/ASAP_capstone.pptx
@@ -243,7 +243,7 @@
           <a:p>
             <a:fld id="{334C27A1-BEB2-C84C-8355-1158A44B1DD2}" type="datetimeFigureOut">
               <a:rPr lang="en-US" smtClean="0"/>
-              <a:t>6/20/18</a:t>
+              <a:t>6/24/18</a:t>
             </a:fld>
             <a:endParaRPr lang="en-US"/>
           </a:p>
@@ -413,7 +413,7 @@
           <a:p>
             <a:fld id="{334C27A1-BEB2-C84C-8355-1158A44B1DD2}" type="datetimeFigureOut">
               <a:rPr lang="en-US" smtClean="0"/>
-              <a:t>6/20/18</a:t>
+              <a:t>6/24/18</a:t>
             </a:fld>
             <a:endParaRPr lang="en-US"/>
           </a:p>
@@ -593,7 +593,7 @@
           <a:p>
             <a:fld id="{334C27A1-BEB2-C84C-8355-1158A44B1DD2}" type="datetimeFigureOut">
               <a:rPr lang="en-US" smtClean="0"/>
-              <a:t>6/20/18</a:t>
+              <a:t>6/24/18</a:t>
             </a:fld>
             <a:endParaRPr lang="en-US"/>
           </a:p>
@@ -763,7 +763,7 @@
           <a:p>
             <a:fld id="{334C27A1-BEB2-C84C-8355-1158A44B1DD2}" type="datetimeFigureOut">
               <a:rPr lang="en-US" smtClean="0"/>
-              <a:t>6/20/18</a:t>
+              <a:t>6/24/18</a:t>
             </a:fld>
             <a:endParaRPr lang="en-US"/>
           </a:p>
@@ -1007,7 +1007,7 @@
           <a:p>
             <a:fld id="{334C27A1-BEB2-C84C-8355-1158A44B1DD2}" type="datetimeFigureOut">
               <a:rPr lang="en-US" smtClean="0"/>
-              <a:t>6/20/18</a:t>
+              <a:t>6/24/18</a:t>
             </a:fld>
             <a:endParaRPr lang="en-US"/>
           </a:p>
@@ -1239,7 +1239,7 @@
           <a:p>
             <a:fld id="{334C27A1-BEB2-C84C-8355-1158A44B1DD2}" type="datetimeFigureOut">
               <a:rPr lang="en-US" smtClean="0"/>
-              <a:t>6/20/18</a:t>
+              <a:t>6/24/18</a:t>
             </a:fld>
             <a:endParaRPr lang="en-US"/>
           </a:p>
@@ -1606,7 +1606,7 @@
           <a:p>
             <a:fld id="{334C27A1-BEB2-C84C-8355-1158A44B1DD2}" type="datetimeFigureOut">
               <a:rPr lang="en-US" smtClean="0"/>
-              <a:t>6/20/18</a:t>
+              <a:t>6/24/18</a:t>
             </a:fld>
             <a:endParaRPr lang="en-US"/>
           </a:p>
@@ -1724,7 +1724,7 @@
           <a:p>
             <a:fld id="{334C27A1-BEB2-C84C-8355-1158A44B1DD2}" type="datetimeFigureOut">
               <a:rPr lang="en-US" smtClean="0"/>
-              <a:t>6/20/18</a:t>
+              <a:t>6/24/18</a:t>
             </a:fld>
             <a:endParaRPr lang="en-US"/>
           </a:p>
@@ -1819,7 +1819,7 @@
           <a:p>
             <a:fld id="{334C27A1-BEB2-C84C-8355-1158A44B1DD2}" type="datetimeFigureOut">
               <a:rPr lang="en-US" smtClean="0"/>
-              <a:t>6/20/18</a:t>
+              <a:t>6/24/18</a:t>
             </a:fld>
             <a:endParaRPr lang="en-US"/>
           </a:p>
@@ -2096,7 +2096,7 @@
           <a:p>
             <a:fld id="{334C27A1-BEB2-C84C-8355-1158A44B1DD2}" type="datetimeFigureOut">
               <a:rPr lang="en-US" smtClean="0"/>
-              <a:t>6/20/18</a:t>
+              <a:t>6/24/18</a:t>
             </a:fld>
             <a:endParaRPr lang="en-US"/>
           </a:p>
@@ -2353,7 +2353,7 @@
           <a:p>
             <a:fld id="{334C27A1-BEB2-C84C-8355-1158A44B1DD2}" type="datetimeFigureOut">
               <a:rPr lang="en-US" smtClean="0"/>
-              <a:t>6/20/18</a:t>
+              <a:t>6/24/18</a:t>
             </a:fld>
             <a:endParaRPr lang="en-US"/>
           </a:p>
@@ -2566,7 +2566,7 @@
           <a:p>
             <a:fld id="{334C27A1-BEB2-C84C-8355-1158A44B1DD2}" type="datetimeFigureOut">
               <a:rPr lang="en-US" smtClean="0"/>
-              <a:t>6/20/18</a:t>
+              <a:t>6/24/18</a:t>
             </a:fld>
             <a:endParaRPr lang="en-US"/>
           </a:p>
@@ -3001,7 +3001,7 @@
         </p:blipFill>
         <p:spPr>
           <a:xfrm>
-            <a:off x="0" y="28720390"/>
+            <a:off x="-92744" y="28762128"/>
             <a:ext cx="14582956" cy="4014409"/>
           </a:xfrm>
           <a:prstGeom prst="rect">
@@ -3322,129 +3322,6 @@
       </p:sp>
       <p:sp>
         <p:nvSpPr>
-          <p:cNvPr id="12" name="TextBox 11">
-            <a:extLst>
-              <a:ext uri="{FF2B5EF4-FFF2-40B4-BE49-F238E27FC236}">
-                <a16:creationId xmlns:a16="http://schemas.microsoft.com/office/drawing/2014/main" id="{20FDD4B6-0F73-D24B-A318-E8EC3C326961}"/>
-              </a:ext>
-            </a:extLst>
-          </p:cNvPr>
-          <p:cNvSpPr txBox="1"/>
-          <p:nvPr/>
-        </p:nvSpPr>
-        <p:spPr>
-          <a:xfrm>
-            <a:off x="36419684" y="29497083"/>
-            <a:ext cx="6381035" cy="2554545"/>
-          </a:xfrm>
-          <a:prstGeom prst="rect">
-            <a:avLst/>
-          </a:prstGeom>
-          <a:noFill/>
-        </p:spPr>
-        <p:txBody>
-          <a:bodyPr wrap="square" rtlCol="0">
-            <a:spAutoFit/>
-          </a:bodyPr>
-          <a:lstStyle/>
-          <a:p>
-            <a:pPr algn="ctr"/>
-            <a:r>
-              <a:rPr lang="en-US" sz="8000" b="1" dirty="0"/>
-              <a:t>DEPARTMENT</a:t>
-            </a:r>
-          </a:p>
-          <a:p>
-            <a:pPr algn="ctr"/>
-            <a:r>
-              <a:rPr lang="en-US" sz="8000" b="1" dirty="0"/>
-              <a:t>LOGO</a:t>
-            </a:r>
-          </a:p>
-        </p:txBody>
-      </p:sp>
-      <p:pic>
-        <p:nvPicPr>
-          <p:cNvPr id="3" name="Picture 2">
-            <a:extLst>
-              <a:ext uri="{FF2B5EF4-FFF2-40B4-BE49-F238E27FC236}">
-                <a16:creationId xmlns:a16="http://schemas.microsoft.com/office/drawing/2014/main" id="{6496DAC3-7391-2441-AD93-9422CA18D230}"/>
-              </a:ext>
-            </a:extLst>
-          </p:cNvPr>
-          <p:cNvPicPr>
-            <a:picLocks noChangeAspect="1"/>
-          </p:cNvPicPr>
-          <p:nvPr/>
-        </p:nvPicPr>
-        <p:blipFill>
-          <a:blip r:embed="rId3"/>
-          <a:stretch>
-            <a:fillRect/>
-          </a:stretch>
-        </p:blipFill>
-        <p:spPr>
-          <a:xfrm>
-            <a:off x="30736309" y="29023486"/>
-            <a:ext cx="5112327" cy="3408218"/>
-          </a:xfrm>
-          <a:prstGeom prst="rect">
-            <a:avLst/>
-          </a:prstGeom>
-        </p:spPr>
-      </p:pic>
-      <p:sp>
-        <p:nvSpPr>
-          <p:cNvPr id="13" name="TextBox 12">
-            <a:extLst>
-              <a:ext uri="{FF2B5EF4-FFF2-40B4-BE49-F238E27FC236}">
-                <a16:creationId xmlns:a16="http://schemas.microsoft.com/office/drawing/2014/main" id="{9C83CFC1-642D-D441-A586-44387BAF74E0}"/>
-              </a:ext>
-            </a:extLst>
-          </p:cNvPr>
-          <p:cNvSpPr txBox="1"/>
-          <p:nvPr/>
-        </p:nvSpPr>
-        <p:spPr>
-          <a:xfrm>
-            <a:off x="13871414" y="28881530"/>
-            <a:ext cx="12438367" cy="3785652"/>
-          </a:xfrm>
-          <a:prstGeom prst="rect">
-            <a:avLst/>
-          </a:prstGeom>
-          <a:noFill/>
-        </p:spPr>
-        <p:txBody>
-          <a:bodyPr wrap="square" rtlCol="0">
-            <a:spAutoFit/>
-          </a:bodyPr>
-          <a:lstStyle/>
-          <a:p>
-            <a:pPr algn="ctr"/>
-            <a:r>
-              <a:rPr lang="en-US" sz="8000" b="1" dirty="0"/>
-              <a:t>Place for:</a:t>
-            </a:r>
-          </a:p>
-          <a:p>
-            <a:pPr algn="ctr"/>
-            <a:r>
-              <a:rPr lang="en-US" sz="8000" b="1" dirty="0"/>
-              <a:t>CEI Logo</a:t>
-            </a:r>
-          </a:p>
-          <a:p>
-            <a:pPr algn="ctr"/>
-            <a:r>
-              <a:rPr lang="en-US" sz="8000" b="1" dirty="0"/>
-              <a:t>Acknowledgements, etc.</a:t>
-            </a:r>
-          </a:p>
-        </p:txBody>
-      </p:sp>
-      <p:sp>
-        <p:nvSpPr>
           <p:cNvPr id="16" name="TextBox 15">
             <a:extLst>
               <a:ext uri="{FF2B5EF4-FFF2-40B4-BE49-F238E27FC236}">
@@ -3663,107 +3540,6 @@
           </a:p>
         </p:txBody>
       </p:sp>
-      <p:grpSp>
-        <p:nvGrpSpPr>
-          <p:cNvPr id="14" name="Group 13">
-            <a:extLst>
-              <a:ext uri="{FF2B5EF4-FFF2-40B4-BE49-F238E27FC236}">
-                <a16:creationId xmlns:a16="http://schemas.microsoft.com/office/drawing/2014/main" id="{B899183F-4919-9447-BB1E-1083E73CA025}"/>
-              </a:ext>
-            </a:extLst>
-          </p:cNvPr>
-          <p:cNvGrpSpPr/>
-          <p:nvPr/>
-        </p:nvGrpSpPr>
-        <p:grpSpPr>
-          <a:xfrm>
-            <a:off x="17524357" y="23559007"/>
-            <a:ext cx="8842485" cy="2367619"/>
-            <a:chOff x="17503317" y="17275519"/>
-            <a:chExt cx="8842485" cy="2367619"/>
-          </a:xfrm>
-        </p:grpSpPr>
-        <p:sp>
-          <p:nvSpPr>
-            <p:cNvPr id="24" name="TextBox 23">
-              <a:extLst>
-                <a:ext uri="{FF2B5EF4-FFF2-40B4-BE49-F238E27FC236}">
-                  <a16:creationId xmlns:a16="http://schemas.microsoft.com/office/drawing/2014/main" id="{2542872F-456D-1D4B-9F3B-DB802A3450E9}"/>
-                </a:ext>
-              </a:extLst>
-            </p:cNvPr>
-            <p:cNvSpPr txBox="1"/>
-            <p:nvPr/>
-          </p:nvSpPr>
-          <p:spPr>
-            <a:xfrm>
-              <a:off x="17503317" y="17275519"/>
-              <a:ext cx="8842485" cy="1015663"/>
-            </a:xfrm>
-            <a:prstGeom prst="rect">
-              <a:avLst/>
-            </a:prstGeom>
-            <a:noFill/>
-          </p:spPr>
-          <p:txBody>
-            <a:bodyPr wrap="none" rtlCol="0">
-              <a:spAutoFit/>
-            </a:bodyPr>
-            <a:lstStyle/>
-            <a:p>
-              <a:r>
-                <a:rPr lang="en-US" sz="6000" dirty="0"/>
-                <a:t>Model builder from </a:t>
-              </a:r>
-              <a:r>
-                <a:rPr lang="en-US" sz="6000" dirty="0" err="1"/>
-                <a:t>Jingtian</a:t>
-              </a:r>
-              <a:endParaRPr lang="en-US" sz="6000" dirty="0"/>
-            </a:p>
-          </p:txBody>
-        </p:sp>
-        <p:sp>
-          <p:nvSpPr>
-            <p:cNvPr id="25" name="TextBox 24">
-              <a:extLst>
-                <a:ext uri="{FF2B5EF4-FFF2-40B4-BE49-F238E27FC236}">
-                  <a16:creationId xmlns:a16="http://schemas.microsoft.com/office/drawing/2014/main" id="{06337C75-2175-6640-A8CE-11E362B23A5A}"/>
-                </a:ext>
-              </a:extLst>
-            </p:cNvPr>
-            <p:cNvSpPr txBox="1"/>
-            <p:nvPr/>
-          </p:nvSpPr>
-          <p:spPr>
-            <a:xfrm>
-              <a:off x="19205738" y="18627475"/>
-              <a:ext cx="5437642" cy="1015663"/>
-            </a:xfrm>
-            <a:prstGeom prst="rect">
-              <a:avLst/>
-            </a:prstGeom>
-            <a:noFill/>
-          </p:spPr>
-          <p:txBody>
-            <a:bodyPr wrap="none" rtlCol="0">
-              <a:spAutoFit/>
-            </a:bodyPr>
-            <a:lstStyle/>
-            <a:p>
-              <a:r>
-                <a:rPr lang="en-US" sz="6000" dirty="0"/>
-                <a:t>Workflow </a:t>
-              </a:r>
-              <a:r>
-                <a:rPr lang="en-US" sz="6000" dirty="0" err="1"/>
-                <a:t>XMind</a:t>
-              </a:r>
-              <a:endParaRPr lang="en-US" sz="6000" dirty="0"/>
-            </a:p>
-          </p:txBody>
-        </p:sp>
-      </p:grpSp>
       <p:sp>
         <p:nvSpPr>
           <p:cNvPr id="26" name="TextBox 25">
@@ -4098,6 +3874,36 @@
           <p:nvPr/>
         </p:nvPicPr>
         <p:blipFill>
+          <a:blip r:embed="rId3"/>
+          <a:stretch>
+            <a:fillRect/>
+          </a:stretch>
+        </p:blipFill>
+        <p:spPr>
+          <a:xfrm>
+            <a:off x="15228997" y="13749097"/>
+            <a:ext cx="13791921" cy="5710717"/>
+          </a:xfrm>
+          <a:prstGeom prst="rect">
+            <a:avLst/>
+          </a:prstGeom>
+        </p:spPr>
+      </p:pic>
+      <p:pic>
+        <p:nvPicPr>
+          <p:cNvPr id="30" name="Picture 29">
+            <a:extLst>
+              <a:ext uri="{FF2B5EF4-FFF2-40B4-BE49-F238E27FC236}">
+                <a16:creationId xmlns:a16="http://schemas.microsoft.com/office/drawing/2014/main" id="{C10C417F-A657-B347-BDB6-DC69502813D4}"/>
+              </a:ext>
+            </a:extLst>
+          </p:cNvPr>
+          <p:cNvPicPr>
+            <a:picLocks noChangeAspect="1"/>
+          </p:cNvPicPr>
+          <p:nvPr/>
+        </p:nvPicPr>
+        <p:blipFill>
           <a:blip r:embed="rId4"/>
           <a:stretch>
             <a:fillRect/>
@@ -4105,8 +3911,68 @@
         </p:blipFill>
         <p:spPr>
           <a:xfrm>
-            <a:off x="15228997" y="13749097"/>
-            <a:ext cx="13791921" cy="5710717"/>
+            <a:off x="15228997" y="20178203"/>
+            <a:ext cx="13791921" cy="6321753"/>
+          </a:xfrm>
+          <a:prstGeom prst="rect">
+            <a:avLst/>
+          </a:prstGeom>
+        </p:spPr>
+      </p:pic>
+      <p:pic>
+        <p:nvPicPr>
+          <p:cNvPr id="19" name="Picture 18">
+            <a:extLst>
+              <a:ext uri="{FF2B5EF4-FFF2-40B4-BE49-F238E27FC236}">
+                <a16:creationId xmlns:a16="http://schemas.microsoft.com/office/drawing/2014/main" id="{F5A4AA79-62C7-9A48-B701-2CE960A715F7}"/>
+              </a:ext>
+            </a:extLst>
+          </p:cNvPr>
+          <p:cNvPicPr>
+            <a:picLocks noChangeAspect="1"/>
+          </p:cNvPicPr>
+          <p:nvPr/>
+        </p:nvPicPr>
+        <p:blipFill>
+          <a:blip r:embed="rId5"/>
+          <a:stretch>
+            <a:fillRect/>
+          </a:stretch>
+        </p:blipFill>
+        <p:spPr>
+          <a:xfrm>
+            <a:off x="14702076" y="28803868"/>
+            <a:ext cx="13458644" cy="3930931"/>
+          </a:xfrm>
+          <a:prstGeom prst="rect">
+            <a:avLst/>
+          </a:prstGeom>
+        </p:spPr>
+      </p:pic>
+      <p:pic>
+        <p:nvPicPr>
+          <p:cNvPr id="34" name="Picture 33">
+            <a:extLst>
+              <a:ext uri="{FF2B5EF4-FFF2-40B4-BE49-F238E27FC236}">
+                <a16:creationId xmlns:a16="http://schemas.microsoft.com/office/drawing/2014/main" id="{63756A44-AD86-474C-8DCD-C5A171C74CB3}"/>
+              </a:ext>
+            </a:extLst>
+          </p:cNvPr>
+          <p:cNvPicPr>
+            <a:picLocks noChangeAspect="1"/>
+          </p:cNvPicPr>
+          <p:nvPr/>
+        </p:nvPicPr>
+        <p:blipFill>
+          <a:blip r:embed="rId6"/>
+          <a:stretch>
+            <a:fillRect/>
+          </a:stretch>
+        </p:blipFill>
+        <p:spPr>
+          <a:xfrm>
+            <a:off x="30182931" y="29465394"/>
+            <a:ext cx="12473505" cy="2524400"/>
           </a:xfrm>
           <a:prstGeom prst="rect">
             <a:avLst/>

--- a/doc/ASAP_capstone.pptx
+++ b/doc/ASAP_capstone.pptx
@@ -4,6 +4,9 @@
   <p:sldMasterIdLst>
     <p:sldMasterId id="2147483684" r:id="rId1"/>
   </p:sldMasterIdLst>
+  <p:notesMasterIdLst>
+    <p:notesMasterId r:id="rId3"/>
+  </p:notesMasterIdLst>
   <p:sldIdLst>
     <p:sldId id="256" r:id="rId2"/>
   </p:sldIdLst>
@@ -112,6 +115,439 @@
 </p:presentation>
 </file>
 
+<file path=ppt/notesMasters/notesMaster1.xml><?xml version="1.0" encoding="utf-8"?>
+<p:notesMaster xmlns:a="http://schemas.openxmlformats.org/drawingml/2006/main" xmlns:r="http://schemas.openxmlformats.org/officeDocument/2006/relationships" xmlns:p="http://schemas.openxmlformats.org/presentationml/2006/main">
+  <p:cSld>
+    <p:bg>
+      <p:bgRef idx="1001">
+        <a:schemeClr val="bg1"/>
+      </p:bgRef>
+    </p:bg>
+    <p:spTree>
+      <p:nvGrpSpPr>
+        <p:cNvPr id="1" name=""/>
+        <p:cNvGrpSpPr/>
+        <p:nvPr/>
+      </p:nvGrpSpPr>
+      <p:grpSpPr>
+        <a:xfrm>
+          <a:off x="0" y="0"/>
+          <a:ext cx="0" cy="0"/>
+          <a:chOff x="0" y="0"/>
+          <a:chExt cx="0" cy="0"/>
+        </a:xfrm>
+      </p:grpSpPr>
+      <p:sp>
+        <p:nvSpPr>
+          <p:cNvPr id="2" name="Header Placeholder 1"/>
+          <p:cNvSpPr>
+            <a:spLocks noGrp="1"/>
+          </p:cNvSpPr>
+          <p:nvPr>
+            <p:ph type="hdr" sz="quarter"/>
+          </p:nvPr>
+        </p:nvSpPr>
+        <p:spPr>
+          <a:xfrm>
+            <a:off x="0" y="0"/>
+            <a:ext cx="2971800" cy="458788"/>
+          </a:xfrm>
+          <a:prstGeom prst="rect">
+            <a:avLst/>
+          </a:prstGeom>
+        </p:spPr>
+        <p:txBody>
+          <a:bodyPr vert="horz" lIns="91440" tIns="45720" rIns="91440" bIns="45720" rtlCol="0"/>
+          <a:lstStyle>
+            <a:lvl1pPr algn="l">
+              <a:defRPr sz="1200"/>
+            </a:lvl1pPr>
+          </a:lstStyle>
+          <a:p>
+            <a:endParaRPr lang="en-US"/>
+          </a:p>
+        </p:txBody>
+      </p:sp>
+      <p:sp>
+        <p:nvSpPr>
+          <p:cNvPr id="3" name="Date Placeholder 2"/>
+          <p:cNvSpPr>
+            <a:spLocks noGrp="1"/>
+          </p:cNvSpPr>
+          <p:nvPr>
+            <p:ph type="dt" idx="1"/>
+          </p:nvPr>
+        </p:nvSpPr>
+        <p:spPr>
+          <a:xfrm>
+            <a:off x="3884613" y="0"/>
+            <a:ext cx="2971800" cy="458788"/>
+          </a:xfrm>
+          <a:prstGeom prst="rect">
+            <a:avLst/>
+          </a:prstGeom>
+        </p:spPr>
+        <p:txBody>
+          <a:bodyPr vert="horz" lIns="91440" tIns="45720" rIns="91440" bIns="45720" rtlCol="0"/>
+          <a:lstStyle>
+            <a:lvl1pPr algn="r">
+              <a:defRPr sz="1200"/>
+            </a:lvl1pPr>
+          </a:lstStyle>
+          <a:p>
+            <a:fld id="{3D7021BF-858D-5241-A01D-BCC2FB26C9AA}" type="datetimeFigureOut">
+              <a:rPr lang="en-US" smtClean="0"/>
+              <a:t>6/25/18</a:t>
+            </a:fld>
+            <a:endParaRPr lang="en-US"/>
+          </a:p>
+        </p:txBody>
+      </p:sp>
+      <p:sp>
+        <p:nvSpPr>
+          <p:cNvPr id="4" name="Slide Image Placeholder 3"/>
+          <p:cNvSpPr>
+            <a:spLocks noGrp="1" noRot="1" noChangeAspect="1"/>
+          </p:cNvSpPr>
+          <p:nvPr>
+            <p:ph type="sldImg" idx="2"/>
+          </p:nvPr>
+        </p:nvSpPr>
+        <p:spPr>
+          <a:xfrm>
+            <a:off x="1371600" y="1143000"/>
+            <a:ext cx="4114800" cy="3086100"/>
+          </a:xfrm>
+          <a:prstGeom prst="rect">
+            <a:avLst/>
+          </a:prstGeom>
+          <a:noFill/>
+          <a:ln w="12700">
+            <a:solidFill>
+              <a:prstClr val="black"/>
+            </a:solidFill>
+          </a:ln>
+        </p:spPr>
+        <p:txBody>
+          <a:bodyPr vert="horz" lIns="91440" tIns="45720" rIns="91440" bIns="45720" rtlCol="0" anchor="ctr"/>
+          <a:lstStyle/>
+          <a:p>
+            <a:endParaRPr lang="en-US"/>
+          </a:p>
+        </p:txBody>
+      </p:sp>
+      <p:sp>
+        <p:nvSpPr>
+          <p:cNvPr id="5" name="Notes Placeholder 4"/>
+          <p:cNvSpPr>
+            <a:spLocks noGrp="1"/>
+          </p:cNvSpPr>
+          <p:nvPr>
+            <p:ph type="body" sz="quarter" idx="3"/>
+          </p:nvPr>
+        </p:nvSpPr>
+        <p:spPr>
+          <a:xfrm>
+            <a:off x="685800" y="4400550"/>
+            <a:ext cx="5486400" cy="3600450"/>
+          </a:xfrm>
+          <a:prstGeom prst="rect">
+            <a:avLst/>
+          </a:prstGeom>
+        </p:spPr>
+        <p:txBody>
+          <a:bodyPr vert="horz" lIns="91440" tIns="45720" rIns="91440" bIns="45720" rtlCol="0"/>
+          <a:lstStyle/>
+          <a:p>
+            <a:pPr lvl="0"/>
+            <a:r>
+              <a:rPr lang="en-US"/>
+              <a:t>Edit Master text styles</a:t>
+            </a:r>
+          </a:p>
+          <a:p>
+            <a:pPr lvl="1"/>
+            <a:r>
+              <a:rPr lang="en-US"/>
+              <a:t>Second level</a:t>
+            </a:r>
+          </a:p>
+          <a:p>
+            <a:pPr lvl="2"/>
+            <a:r>
+              <a:rPr lang="en-US"/>
+              <a:t>Third level</a:t>
+            </a:r>
+          </a:p>
+          <a:p>
+            <a:pPr lvl="3"/>
+            <a:r>
+              <a:rPr lang="en-US"/>
+              <a:t>Fourth level</a:t>
+            </a:r>
+          </a:p>
+          <a:p>
+            <a:pPr lvl="4"/>
+            <a:r>
+              <a:rPr lang="en-US"/>
+              <a:t>Fifth level</a:t>
+            </a:r>
+          </a:p>
+        </p:txBody>
+      </p:sp>
+      <p:sp>
+        <p:nvSpPr>
+          <p:cNvPr id="6" name="Footer Placeholder 5"/>
+          <p:cNvSpPr>
+            <a:spLocks noGrp="1"/>
+          </p:cNvSpPr>
+          <p:nvPr>
+            <p:ph type="ftr" sz="quarter" idx="4"/>
+          </p:nvPr>
+        </p:nvSpPr>
+        <p:spPr>
+          <a:xfrm>
+            <a:off x="0" y="8685213"/>
+            <a:ext cx="2971800" cy="458787"/>
+          </a:xfrm>
+          <a:prstGeom prst="rect">
+            <a:avLst/>
+          </a:prstGeom>
+        </p:spPr>
+        <p:txBody>
+          <a:bodyPr vert="horz" lIns="91440" tIns="45720" rIns="91440" bIns="45720" rtlCol="0" anchor="b"/>
+          <a:lstStyle>
+            <a:lvl1pPr algn="l">
+              <a:defRPr sz="1200"/>
+            </a:lvl1pPr>
+          </a:lstStyle>
+          <a:p>
+            <a:endParaRPr lang="en-US"/>
+          </a:p>
+        </p:txBody>
+      </p:sp>
+      <p:sp>
+        <p:nvSpPr>
+          <p:cNvPr id="7" name="Slide Number Placeholder 6"/>
+          <p:cNvSpPr>
+            <a:spLocks noGrp="1"/>
+          </p:cNvSpPr>
+          <p:nvPr>
+            <p:ph type="sldNum" sz="quarter" idx="5"/>
+          </p:nvPr>
+        </p:nvSpPr>
+        <p:spPr>
+          <a:xfrm>
+            <a:off x="3884613" y="8685213"/>
+            <a:ext cx="2971800" cy="458787"/>
+          </a:xfrm>
+          <a:prstGeom prst="rect">
+            <a:avLst/>
+          </a:prstGeom>
+        </p:spPr>
+        <p:txBody>
+          <a:bodyPr vert="horz" lIns="91440" tIns="45720" rIns="91440" bIns="45720" rtlCol="0" anchor="b"/>
+          <a:lstStyle>
+            <a:lvl1pPr algn="r">
+              <a:defRPr sz="1200"/>
+            </a:lvl1pPr>
+          </a:lstStyle>
+          <a:p>
+            <a:fld id="{BDBE78CC-9D72-D042-94F7-6F1E6C94A261}" type="slidenum">
+              <a:rPr lang="en-US" smtClean="0"/>
+              <a:t>‹#›</a:t>
+            </a:fld>
+            <a:endParaRPr lang="en-US"/>
+          </a:p>
+        </p:txBody>
+      </p:sp>
+    </p:spTree>
+    <p:extLst>
+      <p:ext uri="{BB962C8B-B14F-4D97-AF65-F5344CB8AC3E}">
+        <p14:creationId xmlns:p14="http://schemas.microsoft.com/office/powerpoint/2010/main" val="3160531470"/>
+      </p:ext>
+    </p:extLst>
+  </p:cSld>
+  <p:clrMap bg1="lt1" tx1="dk1" bg2="lt2" tx2="dk2" accent1="accent1" accent2="accent2" accent3="accent3" accent4="accent4" accent5="accent5" accent6="accent6" hlink="hlink" folHlink="folHlink"/>
+  <p:notesStyle>
+    <a:lvl1pPr marL="0" algn="l" defTabSz="914400" rtl="0" eaLnBrk="1" latinLnBrk="0" hangingPunct="1">
+      <a:defRPr sz="1200" kern="1200">
+        <a:solidFill>
+          <a:schemeClr val="tx1"/>
+        </a:solidFill>
+        <a:latin typeface="+mn-lt"/>
+        <a:ea typeface="+mn-ea"/>
+        <a:cs typeface="+mn-cs"/>
+      </a:defRPr>
+    </a:lvl1pPr>
+    <a:lvl2pPr marL="457200" algn="l" defTabSz="914400" rtl="0" eaLnBrk="1" latinLnBrk="0" hangingPunct="1">
+      <a:defRPr sz="1200" kern="1200">
+        <a:solidFill>
+          <a:schemeClr val="tx1"/>
+        </a:solidFill>
+        <a:latin typeface="+mn-lt"/>
+        <a:ea typeface="+mn-ea"/>
+        <a:cs typeface="+mn-cs"/>
+      </a:defRPr>
+    </a:lvl2pPr>
+    <a:lvl3pPr marL="914400" algn="l" defTabSz="914400" rtl="0" eaLnBrk="1" latinLnBrk="0" hangingPunct="1">
+      <a:defRPr sz="1200" kern="1200">
+        <a:solidFill>
+          <a:schemeClr val="tx1"/>
+        </a:solidFill>
+        <a:latin typeface="+mn-lt"/>
+        <a:ea typeface="+mn-ea"/>
+        <a:cs typeface="+mn-cs"/>
+      </a:defRPr>
+    </a:lvl3pPr>
+    <a:lvl4pPr marL="1371600" algn="l" defTabSz="914400" rtl="0" eaLnBrk="1" latinLnBrk="0" hangingPunct="1">
+      <a:defRPr sz="1200" kern="1200">
+        <a:solidFill>
+          <a:schemeClr val="tx1"/>
+        </a:solidFill>
+        <a:latin typeface="+mn-lt"/>
+        <a:ea typeface="+mn-ea"/>
+        <a:cs typeface="+mn-cs"/>
+      </a:defRPr>
+    </a:lvl4pPr>
+    <a:lvl5pPr marL="1828800" algn="l" defTabSz="914400" rtl="0" eaLnBrk="1" latinLnBrk="0" hangingPunct="1">
+      <a:defRPr sz="1200" kern="1200">
+        <a:solidFill>
+          <a:schemeClr val="tx1"/>
+        </a:solidFill>
+        <a:latin typeface="+mn-lt"/>
+        <a:ea typeface="+mn-ea"/>
+        <a:cs typeface="+mn-cs"/>
+      </a:defRPr>
+    </a:lvl5pPr>
+    <a:lvl6pPr marL="2286000" algn="l" defTabSz="914400" rtl="0" eaLnBrk="1" latinLnBrk="0" hangingPunct="1">
+      <a:defRPr sz="1200" kern="1200">
+        <a:solidFill>
+          <a:schemeClr val="tx1"/>
+        </a:solidFill>
+        <a:latin typeface="+mn-lt"/>
+        <a:ea typeface="+mn-ea"/>
+        <a:cs typeface="+mn-cs"/>
+      </a:defRPr>
+    </a:lvl6pPr>
+    <a:lvl7pPr marL="2743200" algn="l" defTabSz="914400" rtl="0" eaLnBrk="1" latinLnBrk="0" hangingPunct="1">
+      <a:defRPr sz="1200" kern="1200">
+        <a:solidFill>
+          <a:schemeClr val="tx1"/>
+        </a:solidFill>
+        <a:latin typeface="+mn-lt"/>
+        <a:ea typeface="+mn-ea"/>
+        <a:cs typeface="+mn-cs"/>
+      </a:defRPr>
+    </a:lvl7pPr>
+    <a:lvl8pPr marL="3200400" algn="l" defTabSz="914400" rtl="0" eaLnBrk="1" latinLnBrk="0" hangingPunct="1">
+      <a:defRPr sz="1200" kern="1200">
+        <a:solidFill>
+          <a:schemeClr val="tx1"/>
+        </a:solidFill>
+        <a:latin typeface="+mn-lt"/>
+        <a:ea typeface="+mn-ea"/>
+        <a:cs typeface="+mn-cs"/>
+      </a:defRPr>
+    </a:lvl8pPr>
+    <a:lvl9pPr marL="3657600" algn="l" defTabSz="914400" rtl="0" eaLnBrk="1" latinLnBrk="0" hangingPunct="1">
+      <a:defRPr sz="1200" kern="1200">
+        <a:solidFill>
+          <a:schemeClr val="tx1"/>
+        </a:solidFill>
+        <a:latin typeface="+mn-lt"/>
+        <a:ea typeface="+mn-ea"/>
+        <a:cs typeface="+mn-cs"/>
+      </a:defRPr>
+    </a:lvl9pPr>
+  </p:notesStyle>
+</p:notesMaster>
+</file>
+
+<file path=ppt/notesSlides/notesSlide1.xml><?xml version="1.0" encoding="utf-8"?>
+<p:notes xmlns:a="http://schemas.openxmlformats.org/drawingml/2006/main" xmlns:r="http://schemas.openxmlformats.org/officeDocument/2006/relationships" xmlns:p="http://schemas.openxmlformats.org/presentationml/2006/main">
+  <p:cSld>
+    <p:spTree>
+      <p:nvGrpSpPr>
+        <p:cNvPr id="1" name=""/>
+        <p:cNvGrpSpPr/>
+        <p:nvPr/>
+      </p:nvGrpSpPr>
+      <p:grpSpPr>
+        <a:xfrm>
+          <a:off x="0" y="0"/>
+          <a:ext cx="0" cy="0"/>
+          <a:chOff x="0" y="0"/>
+          <a:chExt cx="0" cy="0"/>
+        </a:xfrm>
+      </p:grpSpPr>
+      <p:sp>
+        <p:nvSpPr>
+          <p:cNvPr id="2" name="Slide Image Placeholder 1"/>
+          <p:cNvSpPr>
+            <a:spLocks noGrp="1" noRot="1" noChangeAspect="1"/>
+          </p:cNvSpPr>
+          <p:nvPr>
+            <p:ph type="sldImg"/>
+          </p:nvPr>
+        </p:nvSpPr>
+        <p:spPr/>
+      </p:sp>
+      <p:sp>
+        <p:nvSpPr>
+          <p:cNvPr id="3" name="Notes Placeholder 2"/>
+          <p:cNvSpPr>
+            <a:spLocks noGrp="1"/>
+          </p:cNvSpPr>
+          <p:nvPr>
+            <p:ph type="body" idx="1"/>
+          </p:nvPr>
+        </p:nvSpPr>
+        <p:spPr/>
+        <p:txBody>
+          <a:bodyPr/>
+          <a:lstStyle/>
+          <a:p>
+            <a:endParaRPr lang="en-US" dirty="0"/>
+          </a:p>
+        </p:txBody>
+      </p:sp>
+      <p:sp>
+        <p:nvSpPr>
+          <p:cNvPr id="4" name="Slide Number Placeholder 3"/>
+          <p:cNvSpPr>
+            <a:spLocks noGrp="1"/>
+          </p:cNvSpPr>
+          <p:nvPr>
+            <p:ph type="sldNum" sz="quarter" idx="10"/>
+          </p:nvPr>
+        </p:nvSpPr>
+        <p:spPr/>
+        <p:txBody>
+          <a:bodyPr/>
+          <a:lstStyle/>
+          <a:p>
+            <a:fld id="{BDBE78CC-9D72-D042-94F7-6F1E6C94A261}" type="slidenum">
+              <a:rPr lang="en-US" smtClean="0"/>
+              <a:t>1</a:t>
+            </a:fld>
+            <a:endParaRPr lang="en-US"/>
+          </a:p>
+        </p:txBody>
+      </p:sp>
+    </p:spTree>
+    <p:extLst>
+      <p:ext uri="{BB962C8B-B14F-4D97-AF65-F5344CB8AC3E}">
+        <p14:creationId xmlns:p14="http://schemas.microsoft.com/office/powerpoint/2010/main" val="788269801"/>
+      </p:ext>
+    </p:extLst>
+  </p:cSld>
+  <p:clrMapOvr>
+    <a:masterClrMapping/>
+  </p:clrMapOvr>
+</p:notes>
+</file>
+
 <file path=ppt/slideLayouts/slideLayout1.xml><?xml version="1.0" encoding="utf-8"?>
 <p:sldLayout xmlns:a="http://schemas.openxmlformats.org/drawingml/2006/main" xmlns:r="http://schemas.openxmlformats.org/officeDocument/2006/relationships" xmlns:p="http://schemas.openxmlformats.org/presentationml/2006/main" type="title" preserve="1">
   <p:cSld name="Title Slide">
@@ -243,7 +679,7 @@
           <a:p>
             <a:fld id="{334C27A1-BEB2-C84C-8355-1158A44B1DD2}" type="datetimeFigureOut">
               <a:rPr lang="en-US" smtClean="0"/>
-              <a:t>6/24/18</a:t>
+              <a:t>6/25/18</a:t>
             </a:fld>
             <a:endParaRPr lang="en-US"/>
           </a:p>
@@ -413,7 +849,7 @@
           <a:p>
             <a:fld id="{334C27A1-BEB2-C84C-8355-1158A44B1DD2}" type="datetimeFigureOut">
               <a:rPr lang="en-US" smtClean="0"/>
-              <a:t>6/24/18</a:t>
+              <a:t>6/25/18</a:t>
             </a:fld>
             <a:endParaRPr lang="en-US"/>
           </a:p>
@@ -593,7 +1029,7 @@
           <a:p>
             <a:fld id="{334C27A1-BEB2-C84C-8355-1158A44B1DD2}" type="datetimeFigureOut">
               <a:rPr lang="en-US" smtClean="0"/>
-              <a:t>6/24/18</a:t>
+              <a:t>6/25/18</a:t>
             </a:fld>
             <a:endParaRPr lang="en-US"/>
           </a:p>
@@ -763,7 +1199,7 @@
           <a:p>
             <a:fld id="{334C27A1-BEB2-C84C-8355-1158A44B1DD2}" type="datetimeFigureOut">
               <a:rPr lang="en-US" smtClean="0"/>
-              <a:t>6/24/18</a:t>
+              <a:t>6/25/18</a:t>
             </a:fld>
             <a:endParaRPr lang="en-US"/>
           </a:p>
@@ -1007,7 +1443,7 @@
           <a:p>
             <a:fld id="{334C27A1-BEB2-C84C-8355-1158A44B1DD2}" type="datetimeFigureOut">
               <a:rPr lang="en-US" smtClean="0"/>
-              <a:t>6/24/18</a:t>
+              <a:t>6/25/18</a:t>
             </a:fld>
             <a:endParaRPr lang="en-US"/>
           </a:p>
@@ -1239,7 +1675,7 @@
           <a:p>
             <a:fld id="{334C27A1-BEB2-C84C-8355-1158A44B1DD2}" type="datetimeFigureOut">
               <a:rPr lang="en-US" smtClean="0"/>
-              <a:t>6/24/18</a:t>
+              <a:t>6/25/18</a:t>
             </a:fld>
             <a:endParaRPr lang="en-US"/>
           </a:p>
@@ -1606,7 +2042,7 @@
           <a:p>
             <a:fld id="{334C27A1-BEB2-C84C-8355-1158A44B1DD2}" type="datetimeFigureOut">
               <a:rPr lang="en-US" smtClean="0"/>
-              <a:t>6/24/18</a:t>
+              <a:t>6/25/18</a:t>
             </a:fld>
             <a:endParaRPr lang="en-US"/>
           </a:p>
@@ -1724,7 +2160,7 @@
           <a:p>
             <a:fld id="{334C27A1-BEB2-C84C-8355-1158A44B1DD2}" type="datetimeFigureOut">
               <a:rPr lang="en-US" smtClean="0"/>
-              <a:t>6/24/18</a:t>
+              <a:t>6/25/18</a:t>
             </a:fld>
             <a:endParaRPr lang="en-US"/>
           </a:p>
@@ -1819,7 +2255,7 @@
           <a:p>
             <a:fld id="{334C27A1-BEB2-C84C-8355-1158A44B1DD2}" type="datetimeFigureOut">
               <a:rPr lang="en-US" smtClean="0"/>
-              <a:t>6/24/18</a:t>
+              <a:t>6/25/18</a:t>
             </a:fld>
             <a:endParaRPr lang="en-US"/>
           </a:p>
@@ -2096,7 +2532,7 @@
           <a:p>
             <a:fld id="{334C27A1-BEB2-C84C-8355-1158A44B1DD2}" type="datetimeFigureOut">
               <a:rPr lang="en-US" smtClean="0"/>
-              <a:t>6/24/18</a:t>
+              <a:t>6/25/18</a:t>
             </a:fld>
             <a:endParaRPr lang="en-US"/>
           </a:p>
@@ -2353,7 +2789,7 @@
           <a:p>
             <a:fld id="{334C27A1-BEB2-C84C-8355-1158A44B1DD2}" type="datetimeFigureOut">
               <a:rPr lang="en-US" smtClean="0"/>
-              <a:t>6/24/18</a:t>
+              <a:t>6/25/18</a:t>
             </a:fld>
             <a:endParaRPr lang="en-US"/>
           </a:p>
@@ -2566,7 +3002,7 @@
           <a:p>
             <a:fld id="{334C27A1-BEB2-C84C-8355-1158A44B1DD2}" type="datetimeFigureOut">
               <a:rPr lang="en-US" smtClean="0"/>
-              <a:t>6/24/18</a:t>
+              <a:t>6/25/18</a:t>
             </a:fld>
             <a:endParaRPr lang="en-US"/>
           </a:p>
@@ -2979,36 +3415,76 @@
           <a:chExt cx="0" cy="0"/>
         </a:xfrm>
       </p:grpSpPr>
-      <p:pic>
-        <p:nvPicPr>
-          <p:cNvPr id="5" name="Picture 4">
+      <p:sp>
+        <p:nvSpPr>
+          <p:cNvPr id="63" name="Rectangle 62">
             <a:extLst>
               <a:ext uri="{FF2B5EF4-FFF2-40B4-BE49-F238E27FC236}">
-                <a16:creationId xmlns:a16="http://schemas.microsoft.com/office/drawing/2014/main" id="{1FD4586F-5BD3-534B-9D24-D84B0EECFF45}"/>
+                <a16:creationId xmlns:a16="http://schemas.microsoft.com/office/drawing/2014/main" id="{A11D584F-782C-0D42-A8FA-19EAF092B58B}"/>
               </a:ext>
             </a:extLst>
           </p:cNvPr>
-          <p:cNvPicPr>
-            <a:picLocks noChangeAspect="1"/>
-          </p:cNvPicPr>
+          <p:cNvSpPr/>
           <p:nvPr/>
-        </p:nvPicPr>
-        <p:blipFill>
-          <a:blip r:embed="rId2"/>
-          <a:stretch>
-            <a:fillRect/>
-          </a:stretch>
-        </p:blipFill>
+        </p:nvSpPr>
         <p:spPr>
           <a:xfrm>
-            <a:off x="-92744" y="28762128"/>
-            <a:ext cx="14582956" cy="4014409"/>
+            <a:off x="390329" y="4645966"/>
+            <a:ext cx="43054972" cy="23415970"/>
           </a:xfrm>
           <a:prstGeom prst="rect">
             <a:avLst/>
           </a:prstGeom>
+          <a:gradFill flip="none" rotWithShape="1">
+            <a:gsLst>
+              <a:gs pos="0">
+                <a:srgbClr val="7030A0">
+                  <a:tint val="66000"/>
+                  <a:satMod val="160000"/>
+                </a:srgbClr>
+              </a:gs>
+              <a:gs pos="50000">
+                <a:srgbClr val="7030A0">
+                  <a:tint val="44500"/>
+                  <a:satMod val="160000"/>
+                </a:srgbClr>
+              </a:gs>
+              <a:gs pos="100000">
+                <a:srgbClr val="7030A0">
+                  <a:tint val="23500"/>
+                  <a:satMod val="160000"/>
+                </a:srgbClr>
+              </a:gs>
+            </a:gsLst>
+            <a:lin ang="0" scaled="1"/>
+            <a:tileRect/>
+          </a:gradFill>
         </p:spPr>
-      </p:pic>
+        <p:style>
+          <a:lnRef idx="2">
+            <a:schemeClr val="accent1">
+              <a:shade val="50000"/>
+            </a:schemeClr>
+          </a:lnRef>
+          <a:fillRef idx="1">
+            <a:schemeClr val="accent1"/>
+          </a:fillRef>
+          <a:effectRef idx="0">
+            <a:schemeClr val="accent1"/>
+          </a:effectRef>
+          <a:fontRef idx="minor">
+            <a:schemeClr val="lt1"/>
+          </a:fontRef>
+        </p:style>
+        <p:txBody>
+          <a:bodyPr rtlCol="0" anchor="ctr"/>
+          <a:lstStyle/>
+          <a:p>
+            <a:pPr algn="ctr"/>
+            <a:endParaRPr lang="en-US"/>
+          </a:p>
+        </p:txBody>
+      </p:sp>
       <p:sp>
         <p:nvSpPr>
           <p:cNvPr id="6" name="Rectangle 5">
@@ -3157,98 +3633,6 @@
       </p:sp>
       <p:sp>
         <p:nvSpPr>
-          <p:cNvPr id="9" name="TextBox 8">
-            <a:extLst>
-              <a:ext uri="{FF2B5EF4-FFF2-40B4-BE49-F238E27FC236}">
-                <a16:creationId xmlns:a16="http://schemas.microsoft.com/office/drawing/2014/main" id="{F0C49E11-A6A1-9641-B20F-5E8307683A7B}"/>
-              </a:ext>
-            </a:extLst>
-          </p:cNvPr>
-          <p:cNvSpPr txBox="1"/>
-          <p:nvPr/>
-        </p:nvSpPr>
-        <p:spPr>
-          <a:xfrm>
-            <a:off x="9631284" y="431921"/>
-            <a:ext cx="23600228" cy="1323439"/>
-          </a:xfrm>
-          <a:prstGeom prst="rect">
-            <a:avLst/>
-          </a:prstGeom>
-          <a:noFill/>
-        </p:spPr>
-        <p:txBody>
-          <a:bodyPr wrap="square" rtlCol="0">
-            <a:spAutoFit/>
-          </a:bodyPr>
-          <a:lstStyle/>
-          <a:p>
-            <a:pPr algn="ctr"/>
-            <a:r>
-              <a:rPr lang="en-US" sz="8000" b="1" dirty="0"/>
-              <a:t>Solar PV Siting Survey for Anchorage, Alaska</a:t>
-            </a:r>
-          </a:p>
-        </p:txBody>
-      </p:sp>
-      <p:sp>
-        <p:nvSpPr>
-          <p:cNvPr id="10" name="TextBox 9">
-            <a:extLst>
-              <a:ext uri="{FF2B5EF4-FFF2-40B4-BE49-F238E27FC236}">
-                <a16:creationId xmlns:a16="http://schemas.microsoft.com/office/drawing/2014/main" id="{6D20E6CB-6E60-184B-96FC-42261BC39734}"/>
-              </a:ext>
-            </a:extLst>
-          </p:cNvPr>
-          <p:cNvSpPr txBox="1"/>
-          <p:nvPr/>
-        </p:nvSpPr>
-        <p:spPr>
-          <a:xfrm>
-            <a:off x="9631284" y="1679449"/>
-            <a:ext cx="23600228" cy="1015663"/>
-          </a:xfrm>
-          <a:prstGeom prst="rect">
-            <a:avLst/>
-          </a:prstGeom>
-          <a:noFill/>
-        </p:spPr>
-        <p:txBody>
-          <a:bodyPr wrap="square" rtlCol="0">
-            <a:spAutoFit/>
-          </a:bodyPr>
-          <a:lstStyle/>
-          <a:p>
-            <a:pPr algn="ctr"/>
-            <a:r>
-              <a:rPr lang="en-US" sz="6000" dirty="0" err="1">
-                <a:latin typeface="Helvetica" pitchFamily="2" charset="0"/>
-              </a:rPr>
-              <a:t>Jingtian</a:t>
-            </a:r>
-            <a:r>
-              <a:rPr lang="en-US" sz="6000" dirty="0">
-                <a:latin typeface="Helvetica" pitchFamily="2" charset="0"/>
-              </a:rPr>
-              <a:t> Zhang, Cheng Zeng, </a:t>
-            </a:r>
-            <a:r>
-              <a:rPr lang="en-US" sz="6000" dirty="0" err="1">
-                <a:latin typeface="Helvetica" pitchFamily="2" charset="0"/>
-              </a:rPr>
-              <a:t>Yuening</a:t>
-            </a:r>
-            <a:r>
-              <a:rPr lang="en-US" sz="6000" dirty="0">
-                <a:latin typeface="Helvetica" pitchFamily="2" charset="0"/>
-              </a:rPr>
-              <a:t> Wang</a:t>
-            </a:r>
-          </a:p>
-        </p:txBody>
-      </p:sp>
-      <p:sp>
-        <p:nvSpPr>
           <p:cNvPr id="11" name="Rectangle 10">
             <a:extLst>
               <a:ext uri="{FF2B5EF4-FFF2-40B4-BE49-F238E27FC236}">
@@ -3320,605 +3704,493 @@
           </a:p>
         </p:txBody>
       </p:sp>
-      <p:sp>
-        <p:nvSpPr>
-          <p:cNvPr id="16" name="TextBox 15">
+      <p:grpSp>
+        <p:nvGrpSpPr>
+          <p:cNvPr id="57" name="Group 56">
             <a:extLst>
               <a:ext uri="{FF2B5EF4-FFF2-40B4-BE49-F238E27FC236}">
-                <a16:creationId xmlns:a16="http://schemas.microsoft.com/office/drawing/2014/main" id="{532F8CD2-EA13-BE42-AA34-532234B28EEA}"/>
+                <a16:creationId xmlns:a16="http://schemas.microsoft.com/office/drawing/2014/main" id="{CFFC2EBB-C796-6A46-91B7-5A0ADA0E1751}"/>
               </a:ext>
             </a:extLst>
           </p:cNvPr>
-          <p:cNvSpPr txBox="1"/>
+          <p:cNvGrpSpPr/>
           <p:nvPr/>
-        </p:nvSpPr>
-        <p:spPr>
+        </p:nvGrpSpPr>
+        <p:grpSpPr>
           <a:xfrm>
-            <a:off x="13841878" y="2610223"/>
-            <a:ext cx="15179040" cy="1015663"/>
+            <a:off x="9631284" y="431921"/>
+            <a:ext cx="23600228" cy="3193965"/>
+            <a:chOff x="9631284" y="431921"/>
+            <a:chExt cx="23600228" cy="3193965"/>
           </a:xfrm>
-          <a:prstGeom prst="rect">
-            <a:avLst/>
-          </a:prstGeom>
-          <a:noFill/>
-        </p:spPr>
-        <p:txBody>
-          <a:bodyPr wrap="square" rtlCol="0">
-            <a:spAutoFit/>
-          </a:bodyPr>
-          <a:lstStyle/>
-          <a:p>
-            <a:pPr algn="ctr"/>
-            <a:r>
-              <a:rPr lang="en-US" sz="6000" dirty="0"/>
-              <a:t>https://</a:t>
-            </a:r>
-            <a:r>
-              <a:rPr lang="en-US" sz="6000" dirty="0" err="1"/>
-              <a:t>github.com</a:t>
-            </a:r>
-            <a:r>
-              <a:rPr lang="en-US" sz="6000" dirty="0"/>
-              <a:t>/</a:t>
-            </a:r>
-            <a:r>
-              <a:rPr lang="en-US" sz="6000" dirty="0" err="1"/>
-              <a:t>Yueningwang</a:t>
-            </a:r>
-            <a:r>
-              <a:rPr lang="en-US" sz="6000" dirty="0"/>
-              <a:t>/ASAP</a:t>
-            </a:r>
-          </a:p>
-        </p:txBody>
-      </p:sp>
-      <p:sp>
-        <p:nvSpPr>
-          <p:cNvPr id="20" name="TextBox 19">
+        </p:grpSpPr>
+        <p:sp>
+          <p:nvSpPr>
+            <p:cNvPr id="9" name="TextBox 8">
+              <a:extLst>
+                <a:ext uri="{FF2B5EF4-FFF2-40B4-BE49-F238E27FC236}">
+                  <a16:creationId xmlns:a16="http://schemas.microsoft.com/office/drawing/2014/main" id="{F0C49E11-A6A1-9641-B20F-5E8307683A7B}"/>
+                </a:ext>
+              </a:extLst>
+            </p:cNvPr>
+            <p:cNvSpPr txBox="1"/>
+            <p:nvPr/>
+          </p:nvSpPr>
+          <p:spPr>
+            <a:xfrm>
+              <a:off x="9631284" y="431921"/>
+              <a:ext cx="23600228" cy="1323439"/>
+            </a:xfrm>
+            <a:prstGeom prst="rect">
+              <a:avLst/>
+            </a:prstGeom>
+            <a:noFill/>
+          </p:spPr>
+          <p:txBody>
+            <a:bodyPr wrap="square" rtlCol="0">
+              <a:spAutoFit/>
+            </a:bodyPr>
+            <a:lstStyle/>
+            <a:p>
+              <a:pPr algn="ctr"/>
+              <a:r>
+                <a:rPr lang="en-US" sz="8000" b="1" dirty="0">
+                  <a:solidFill>
+                    <a:srgbClr val="0070C0"/>
+                  </a:solidFill>
+                </a:rPr>
+                <a:t>Solar PV Siting Survey for Anchorage, Alaska</a:t>
+              </a:r>
+            </a:p>
+          </p:txBody>
+        </p:sp>
+        <p:sp>
+          <p:nvSpPr>
+            <p:cNvPr id="10" name="TextBox 9">
+              <a:extLst>
+                <a:ext uri="{FF2B5EF4-FFF2-40B4-BE49-F238E27FC236}">
+                  <a16:creationId xmlns:a16="http://schemas.microsoft.com/office/drawing/2014/main" id="{6D20E6CB-6E60-184B-96FC-42261BC39734}"/>
+                </a:ext>
+              </a:extLst>
+            </p:cNvPr>
+            <p:cNvSpPr txBox="1"/>
+            <p:nvPr/>
+          </p:nvSpPr>
+          <p:spPr>
+            <a:xfrm>
+              <a:off x="9631284" y="1679449"/>
+              <a:ext cx="23600228" cy="1015663"/>
+            </a:xfrm>
+            <a:prstGeom prst="rect">
+              <a:avLst/>
+            </a:prstGeom>
+            <a:noFill/>
+          </p:spPr>
+          <p:txBody>
+            <a:bodyPr wrap="square" rtlCol="0">
+              <a:spAutoFit/>
+            </a:bodyPr>
+            <a:lstStyle/>
+            <a:p>
+              <a:pPr algn="ctr"/>
+              <a:r>
+                <a:rPr lang="en-US" sz="6000" dirty="0" err="1">
+                  <a:latin typeface="Helvetica" pitchFamily="2" charset="0"/>
+                </a:rPr>
+                <a:t>Jingtian</a:t>
+              </a:r>
+              <a:r>
+                <a:rPr lang="en-US" sz="6000" dirty="0">
+                  <a:latin typeface="Helvetica" pitchFamily="2" charset="0"/>
+                </a:rPr>
+                <a:t> Zhang, Cheng Zeng, </a:t>
+              </a:r>
+              <a:r>
+                <a:rPr lang="en-US" sz="6000" dirty="0" err="1">
+                  <a:latin typeface="Helvetica" pitchFamily="2" charset="0"/>
+                </a:rPr>
+                <a:t>Yuening</a:t>
+              </a:r>
+              <a:r>
+                <a:rPr lang="en-US" sz="6000" dirty="0">
+                  <a:latin typeface="Helvetica" pitchFamily="2" charset="0"/>
+                </a:rPr>
+                <a:t> Wang</a:t>
+              </a:r>
+            </a:p>
+          </p:txBody>
+        </p:sp>
+        <p:sp>
+          <p:nvSpPr>
+            <p:cNvPr id="16" name="TextBox 15">
+              <a:extLst>
+                <a:ext uri="{FF2B5EF4-FFF2-40B4-BE49-F238E27FC236}">
+                  <a16:creationId xmlns:a16="http://schemas.microsoft.com/office/drawing/2014/main" id="{532F8CD2-EA13-BE42-AA34-532234B28EEA}"/>
+                </a:ext>
+              </a:extLst>
+            </p:cNvPr>
+            <p:cNvSpPr txBox="1"/>
+            <p:nvPr/>
+          </p:nvSpPr>
+          <p:spPr>
+            <a:xfrm>
+              <a:off x="13841878" y="2610223"/>
+              <a:ext cx="15179040" cy="1015663"/>
+            </a:xfrm>
+            <a:prstGeom prst="rect">
+              <a:avLst/>
+            </a:prstGeom>
+            <a:noFill/>
+          </p:spPr>
+          <p:txBody>
+            <a:bodyPr wrap="square" rtlCol="0">
+              <a:spAutoFit/>
+            </a:bodyPr>
+            <a:lstStyle/>
+            <a:p>
+              <a:pPr algn="ctr"/>
+              <a:r>
+                <a:rPr lang="en-US" sz="6000" dirty="0"/>
+                <a:t>https://</a:t>
+              </a:r>
+              <a:r>
+                <a:rPr lang="en-US" sz="6000" dirty="0" err="1"/>
+                <a:t>github.com</a:t>
+              </a:r>
+              <a:r>
+                <a:rPr lang="en-US" sz="6000" dirty="0"/>
+                <a:t>/</a:t>
+              </a:r>
+              <a:r>
+                <a:rPr lang="en-US" sz="6000" dirty="0" err="1"/>
+                <a:t>Yueningwang</a:t>
+              </a:r>
+              <a:r>
+                <a:rPr lang="en-US" sz="6000" dirty="0"/>
+                <a:t>/ASAP</a:t>
+              </a:r>
+            </a:p>
+          </p:txBody>
+        </p:sp>
+      </p:grpSp>
+      <p:grpSp>
+        <p:nvGrpSpPr>
+          <p:cNvPr id="51" name="Group 50">
             <a:extLst>
               <a:ext uri="{FF2B5EF4-FFF2-40B4-BE49-F238E27FC236}">
-                <a16:creationId xmlns:a16="http://schemas.microsoft.com/office/drawing/2014/main" id="{3C6FEC06-C7DB-F043-8114-F807422D6323}"/>
+                <a16:creationId xmlns:a16="http://schemas.microsoft.com/office/drawing/2014/main" id="{FDE8B583-EBF9-0444-B1E6-53E9FD4C6D7A}"/>
               </a:ext>
             </a:extLst>
           </p:cNvPr>
-          <p:cNvSpPr txBox="1"/>
+          <p:cNvGrpSpPr/>
           <p:nvPr/>
-        </p:nvSpPr>
-        <p:spPr>
+        </p:nvGrpSpPr>
+        <p:grpSpPr>
           <a:xfrm>
-            <a:off x="30541200" y="4802301"/>
-            <a:ext cx="11756968" cy="1569660"/>
+            <a:off x="601251" y="5312857"/>
+            <a:ext cx="14999812" cy="22103335"/>
+            <a:chOff x="379141" y="4656463"/>
+            <a:chExt cx="14999812" cy="22103335"/>
           </a:xfrm>
-          <a:prstGeom prst="rect">
-            <a:avLst/>
-          </a:prstGeom>
-          <a:noFill/>
-        </p:spPr>
-        <p:txBody>
-          <a:bodyPr wrap="square" rtlCol="0">
-            <a:spAutoFit/>
-          </a:bodyPr>
-          <a:lstStyle/>
-          <a:p>
-            <a:r>
-              <a:rPr lang="en-US" sz="9600" dirty="0"/>
-              <a:t>Results and Conclusion</a:t>
-            </a:r>
-          </a:p>
-        </p:txBody>
-      </p:sp>
-      <p:sp>
-        <p:nvSpPr>
-          <p:cNvPr id="21" name="TextBox 20">
-            <a:extLst>
-              <a:ext uri="{FF2B5EF4-FFF2-40B4-BE49-F238E27FC236}">
-                <a16:creationId xmlns:a16="http://schemas.microsoft.com/office/drawing/2014/main" id="{9593D2B8-478A-3740-BC96-6415A1872938}"/>
-              </a:ext>
-            </a:extLst>
-          </p:cNvPr>
-          <p:cNvSpPr txBox="1"/>
-          <p:nvPr/>
-        </p:nvSpPr>
-        <p:spPr>
-          <a:xfrm>
-            <a:off x="379141" y="4656463"/>
-            <a:ext cx="14849856" cy="1569660"/>
-          </a:xfrm>
-          <a:prstGeom prst="rect">
-            <a:avLst/>
-          </a:prstGeom>
-          <a:noFill/>
-        </p:spPr>
-        <p:txBody>
-          <a:bodyPr wrap="square" rtlCol="0">
-            <a:spAutoFit/>
-          </a:bodyPr>
-          <a:lstStyle/>
-          <a:p>
-            <a:r>
-              <a:rPr lang="en-US" sz="9600" dirty="0"/>
-              <a:t>Background and Introduction</a:t>
-            </a:r>
-          </a:p>
-        </p:txBody>
-      </p:sp>
-      <p:sp>
-        <p:nvSpPr>
-          <p:cNvPr id="22" name="TextBox 21">
-            <a:extLst>
-              <a:ext uri="{FF2B5EF4-FFF2-40B4-BE49-F238E27FC236}">
-                <a16:creationId xmlns:a16="http://schemas.microsoft.com/office/drawing/2014/main" id="{E00ACA9B-E282-644E-A8E3-1C14FEABDD3C}"/>
-              </a:ext>
-            </a:extLst>
-          </p:cNvPr>
-          <p:cNvSpPr txBox="1"/>
-          <p:nvPr/>
-        </p:nvSpPr>
-        <p:spPr>
-          <a:xfrm>
-            <a:off x="1339260" y="16781856"/>
-            <a:ext cx="12929616" cy="1569660"/>
-          </a:xfrm>
-          <a:prstGeom prst="rect">
-            <a:avLst/>
-          </a:prstGeom>
-          <a:noFill/>
-        </p:spPr>
-        <p:txBody>
-          <a:bodyPr wrap="square" rtlCol="0">
-            <a:spAutoFit/>
-          </a:bodyPr>
-          <a:lstStyle/>
-          <a:p>
-            <a:r>
-              <a:rPr lang="en-US" sz="9600" dirty="0"/>
-              <a:t>Methods and Approaches</a:t>
-            </a:r>
-          </a:p>
-        </p:txBody>
-      </p:sp>
-      <p:sp>
-        <p:nvSpPr>
-          <p:cNvPr id="23" name="TextBox 22">
-            <a:extLst>
-              <a:ext uri="{FF2B5EF4-FFF2-40B4-BE49-F238E27FC236}">
-                <a16:creationId xmlns:a16="http://schemas.microsoft.com/office/drawing/2014/main" id="{EF7862D2-C8CF-1745-A6CB-9894A2D4F753}"/>
-              </a:ext>
-            </a:extLst>
-          </p:cNvPr>
-          <p:cNvSpPr txBox="1"/>
-          <p:nvPr/>
-        </p:nvSpPr>
-        <p:spPr>
-          <a:xfrm>
-            <a:off x="1117924" y="6456454"/>
-            <a:ext cx="13372288" cy="10095071"/>
-          </a:xfrm>
-          <a:prstGeom prst="rect">
-            <a:avLst/>
-          </a:prstGeom>
-          <a:noFill/>
-        </p:spPr>
-        <p:txBody>
-          <a:bodyPr wrap="square" rtlCol="0">
-            <a:spAutoFit/>
-          </a:bodyPr>
-          <a:lstStyle/>
-          <a:p>
-            <a:pPr algn="just">
-              <a:spcAft>
-                <a:spcPts val="1200"/>
-              </a:spcAft>
-            </a:pPr>
-            <a:r>
-              <a:rPr lang="en-US" sz="4000" dirty="0"/>
-              <a:t>Solar energy, one of the green energy, has attracted much attention because of its abundance. The most commonly used device to convert solar energy to electricity is solar panels. However, locating suitable place to install solar panels is time-consuming and inefficient.</a:t>
-            </a:r>
-          </a:p>
-          <a:p>
-            <a:pPr algn="just"/>
-            <a:r>
-              <a:rPr lang="en-US" sz="4000" dirty="0"/>
-              <a:t>In this project, we focus on predicting potential solar sites, including rooftops, parking lots and parking structures for commercial photovoltaics. Solar energy calculation model is built based on packages in </a:t>
-            </a:r>
-            <a:r>
-              <a:rPr lang="en-US" sz="4000" dirty="0" err="1"/>
-              <a:t>Arcgis</a:t>
-            </a:r>
-            <a:r>
-              <a:rPr lang="en-US" sz="4000" dirty="0"/>
-              <a:t> Desktop software, such as aspect, slope and solar radiation. The input is Light Detection and Ranging (LIDAR) data, a remote sensing method utilized by the government. The output is </a:t>
-            </a:r>
-            <a:r>
-              <a:rPr lang="en-US" sz="4000" dirty="0" err="1"/>
-              <a:t>kml</a:t>
-            </a:r>
-            <a:r>
-              <a:rPr lang="en-US" sz="4000" dirty="0"/>
-              <a:t> files, which can be displayed in Google Earth Pro and Google Map. Unlike other PV estimation projects, our project takes omission of HVAC systems, vents and pipes on rooftops, and parking lots on the ground into consideration.</a:t>
-            </a:r>
-          </a:p>
-        </p:txBody>
-      </p:sp>
-      <p:sp>
-        <p:nvSpPr>
-          <p:cNvPr id="26" name="TextBox 25">
-            <a:extLst>
-              <a:ext uri="{FF2B5EF4-FFF2-40B4-BE49-F238E27FC236}">
-                <a16:creationId xmlns:a16="http://schemas.microsoft.com/office/drawing/2014/main" id="{0B2DE974-34F8-3746-8309-04E4B1BF8865}"/>
-              </a:ext>
-            </a:extLst>
-          </p:cNvPr>
-          <p:cNvSpPr txBox="1"/>
-          <p:nvPr/>
-        </p:nvSpPr>
-        <p:spPr>
-          <a:xfrm>
-            <a:off x="34529702" y="14658699"/>
-            <a:ext cx="6741823" cy="3785652"/>
-          </a:xfrm>
-          <a:prstGeom prst="rect">
-            <a:avLst/>
-          </a:prstGeom>
-          <a:noFill/>
-        </p:spPr>
-        <p:txBody>
-          <a:bodyPr wrap="square" rtlCol="0">
-            <a:spAutoFit/>
-          </a:bodyPr>
-          <a:lstStyle/>
-          <a:p>
-            <a:r>
-              <a:rPr lang="en-US" sz="6000" dirty="0"/>
-              <a:t>Table,</a:t>
-            </a:r>
-          </a:p>
-          <a:p>
-            <a:r>
-              <a:rPr lang="en-US" sz="6000" dirty="0"/>
-              <a:t>Raster</a:t>
-            </a:r>
-          </a:p>
-          <a:p>
-            <a:r>
-              <a:rPr lang="en-US" sz="6000" dirty="0"/>
-              <a:t>Google earth</a:t>
-            </a:r>
-          </a:p>
-          <a:p>
-            <a:r>
-              <a:rPr lang="en-US" sz="6000" dirty="0"/>
-              <a:t>Google map</a:t>
-            </a:r>
-          </a:p>
-        </p:txBody>
-      </p:sp>
-      <p:sp>
-        <p:nvSpPr>
-          <p:cNvPr id="2" name="TextBox 1">
-            <a:extLst>
-              <a:ext uri="{FF2B5EF4-FFF2-40B4-BE49-F238E27FC236}">
-                <a16:creationId xmlns:a16="http://schemas.microsoft.com/office/drawing/2014/main" id="{73117CEB-3247-FC4E-A988-DD4EC9ECB266}"/>
-              </a:ext>
-            </a:extLst>
-          </p:cNvPr>
-          <p:cNvSpPr txBox="1"/>
-          <p:nvPr/>
-        </p:nvSpPr>
-        <p:spPr>
-          <a:xfrm>
-            <a:off x="32422985" y="22750608"/>
-            <a:ext cx="10955259" cy="1323439"/>
-          </a:xfrm>
-          <a:prstGeom prst="rect">
-            <a:avLst/>
-          </a:prstGeom>
-          <a:noFill/>
-        </p:spPr>
-        <p:txBody>
-          <a:bodyPr wrap="square" rtlCol="0">
-            <a:spAutoFit/>
-          </a:bodyPr>
-          <a:lstStyle/>
-          <a:p>
-            <a:r>
-              <a:rPr lang="en-US" sz="4000" dirty="0"/>
-              <a:t>Reference:</a:t>
-            </a:r>
-          </a:p>
-          <a:p>
-            <a:r>
-              <a:rPr lang="en-US" sz="4000" dirty="0"/>
-              <a:t>[1]</a:t>
-            </a:r>
-          </a:p>
-        </p:txBody>
-      </p:sp>
-      <p:sp>
-        <p:nvSpPr>
-          <p:cNvPr id="27" name="TextBox 26">
-            <a:extLst>
-              <a:ext uri="{FF2B5EF4-FFF2-40B4-BE49-F238E27FC236}">
-                <a16:creationId xmlns:a16="http://schemas.microsoft.com/office/drawing/2014/main" id="{52E5D4F0-B15F-E442-869D-0E21E8A68E0A}"/>
-              </a:ext>
-            </a:extLst>
-          </p:cNvPr>
-          <p:cNvSpPr txBox="1"/>
-          <p:nvPr/>
-        </p:nvSpPr>
-        <p:spPr>
-          <a:xfrm>
-            <a:off x="1117924" y="18784665"/>
-            <a:ext cx="13372288" cy="9017853"/>
-          </a:xfrm>
-          <a:prstGeom prst="rect">
-            <a:avLst/>
-          </a:prstGeom>
-          <a:noFill/>
-        </p:spPr>
-        <p:txBody>
-          <a:bodyPr wrap="square" rtlCol="0">
-            <a:spAutoFit/>
-          </a:bodyPr>
-          <a:lstStyle/>
-          <a:p>
-            <a:pPr algn="just">
-              <a:spcAft>
-                <a:spcPts val="1200"/>
-              </a:spcAft>
-            </a:pPr>
-            <a:r>
-              <a:rPr lang="en-US" sz="4000" dirty="0"/>
-              <a:t>In order to compute solar energy, three steps are followed to complete the workflow:</a:t>
-            </a:r>
-          </a:p>
-          <a:p>
-            <a:pPr algn="just"/>
-            <a:r>
-              <a:rPr lang="en-US" sz="4000" b="1" dirty="0"/>
-              <a:t>1. Create Masks</a:t>
-            </a:r>
-          </a:p>
-          <a:p>
-            <a:pPr algn="just">
-              <a:spcAft>
-                <a:spcPts val="1200"/>
-              </a:spcAft>
-            </a:pPr>
-            <a:r>
-              <a:rPr lang="en-US" sz="4000" dirty="0"/>
-              <a:t>First, we need to filter location generating high solar energy. In this case, three conditions are chosen to consider, i.e. </a:t>
-            </a:r>
-            <a:r>
-              <a:rPr lang="en-US" sz="4000" b="1" dirty="0" err="1"/>
-              <a:t>hillshade</a:t>
-            </a:r>
-            <a:r>
-              <a:rPr lang="en-US" sz="4000" b="1" dirty="0"/>
-              <a:t>, aspect and slope</a:t>
-            </a:r>
-            <a:r>
-              <a:rPr lang="en-US" sz="4000" dirty="0"/>
-              <a:t>. </a:t>
-            </a:r>
-            <a:r>
-              <a:rPr lang="en-US" sz="4000" dirty="0" err="1"/>
-              <a:t>Hillshade</a:t>
-            </a:r>
-            <a:r>
-              <a:rPr lang="en-US" sz="4000" dirty="0"/>
-              <a:t> eliminates places where the sun is blocked by other buildings so they cannot receive high solar radiation. The aspect of the solar panels should be south facing or horizontal to have a higher solar power output because Anchorage is located in the northern hemisphere. Slope allows for installing solar panels, which means slope should be less than 35 degrees. All three conditions create masks to detect spots proper to obtain solar energy.</a:t>
-            </a:r>
-          </a:p>
-          <a:p>
-            <a:pPr algn="just">
-              <a:spcAft>
-                <a:spcPts val="1200"/>
-              </a:spcAft>
-            </a:pPr>
-            <a:r>
-              <a:rPr lang="en-US" sz="4000" b="1" dirty="0"/>
-              <a:t>2. Calculate Solar Radiation</a:t>
-            </a:r>
-          </a:p>
-        </p:txBody>
-      </p:sp>
-      <p:sp>
-        <p:nvSpPr>
-          <p:cNvPr id="28" name="TextBox 27">
-            <a:extLst>
-              <a:ext uri="{FF2B5EF4-FFF2-40B4-BE49-F238E27FC236}">
-                <a16:creationId xmlns:a16="http://schemas.microsoft.com/office/drawing/2014/main" id="{6F67B3BF-4CC7-8143-99DC-EF0BBB10F46B}"/>
-              </a:ext>
-            </a:extLst>
-          </p:cNvPr>
-          <p:cNvSpPr txBox="1"/>
-          <p:nvPr/>
-        </p:nvSpPr>
-        <p:spPr>
-          <a:xfrm>
-            <a:off x="15425732" y="4654801"/>
-            <a:ext cx="13372288" cy="8863965"/>
-          </a:xfrm>
-          <a:prstGeom prst="rect">
-            <a:avLst/>
-          </a:prstGeom>
-          <a:noFill/>
-        </p:spPr>
-        <p:txBody>
-          <a:bodyPr wrap="square" rtlCol="0">
-            <a:spAutoFit/>
-          </a:bodyPr>
-          <a:lstStyle/>
-          <a:p>
-            <a:pPr algn="just">
-              <a:spcAft>
-                <a:spcPts val="1200"/>
-              </a:spcAft>
-            </a:pPr>
-            <a:r>
-              <a:rPr lang="en-US" sz="4000" dirty="0"/>
-              <a:t>After masking, the remaining areas are used to calculate solar radiation. </a:t>
-            </a:r>
-            <a:r>
-              <a:rPr lang="en-US" sz="4000" dirty="0" err="1"/>
-              <a:t>Arcgis</a:t>
-            </a:r>
-            <a:r>
-              <a:rPr lang="en-US" sz="4000" dirty="0"/>
-              <a:t> has a powerful tool -- Solar Radiation tool, which can derive incoming solar radiation during a year. This is based on </a:t>
-            </a:r>
-            <a:r>
-              <a:rPr lang="en-US" sz="4000" b="1" dirty="0"/>
-              <a:t>hemispherical viewshed algorithm </a:t>
-            </a:r>
-            <a:r>
-              <a:rPr lang="en-US" sz="4000" dirty="0"/>
-              <a:t>developed by Rich and Fu, taking into account direct radiation and diffuse radiation. However, compared to System Advisor Model (SAM), this tool neglects local meteorological</a:t>
-            </a:r>
-            <a:r>
-              <a:rPr lang="zh-CN" altLang="en-US" sz="4000" dirty="0"/>
-              <a:t> </a:t>
-            </a:r>
-            <a:r>
-              <a:rPr lang="en-US" altLang="zh-CN" sz="4000" dirty="0"/>
-              <a:t>data, making the results less accurate.</a:t>
-            </a:r>
-            <a:endParaRPr lang="en-US" sz="4000" dirty="0"/>
-          </a:p>
-          <a:p>
-            <a:pPr algn="just"/>
-            <a:r>
-              <a:rPr lang="en-US" sz="4000" b="1" dirty="0"/>
-              <a:t>3. Compute Solar Energy</a:t>
-            </a:r>
-          </a:p>
-          <a:p>
-            <a:pPr algn="just"/>
-            <a:r>
-              <a:rPr lang="en-US" sz="4000" dirty="0"/>
-              <a:t>Combining area of rooftops or parking lots and solar radiation they collect, we can attain the overall solar energy they produce. When converting into </a:t>
-            </a:r>
-            <a:r>
-              <a:rPr lang="en-US" sz="4000" dirty="0" err="1"/>
-              <a:t>kml</a:t>
-            </a:r>
-            <a:r>
-              <a:rPr lang="en-US" sz="4000" dirty="0"/>
-              <a:t> files, which can open by Google Earth Pro and Google Map, one can easily decide if it is worthwhile to planting solar panels in this specific location.</a:t>
-            </a:r>
-          </a:p>
-        </p:txBody>
-      </p:sp>
-      <p:sp>
-        <p:nvSpPr>
-          <p:cNvPr id="29" name="TextBox 28">
-            <a:extLst>
-              <a:ext uri="{FF2B5EF4-FFF2-40B4-BE49-F238E27FC236}">
-                <a16:creationId xmlns:a16="http://schemas.microsoft.com/office/drawing/2014/main" id="{9F33EA44-5A94-6F40-9E72-F124B4B0059A}"/>
-              </a:ext>
-            </a:extLst>
-          </p:cNvPr>
-          <p:cNvSpPr txBox="1"/>
-          <p:nvPr/>
-        </p:nvSpPr>
-        <p:spPr>
-          <a:xfrm>
-            <a:off x="29733540" y="6452630"/>
-            <a:ext cx="13372288" cy="1477328"/>
-          </a:xfrm>
-          <a:prstGeom prst="rect">
-            <a:avLst/>
-          </a:prstGeom>
-          <a:noFill/>
-        </p:spPr>
-        <p:txBody>
-          <a:bodyPr wrap="square" rtlCol="0">
-            <a:spAutoFit/>
-          </a:bodyPr>
-          <a:lstStyle/>
-          <a:p>
-            <a:pPr algn="just">
-              <a:spcAft>
-                <a:spcPts val="1200"/>
-              </a:spcAft>
-            </a:pPr>
-            <a:r>
-              <a:rPr lang="en-US" sz="4000" dirty="0" err="1"/>
-              <a:t>Sadffd</a:t>
-            </a:r>
-            <a:endParaRPr lang="en-US" sz="4000" dirty="0"/>
-          </a:p>
-          <a:p>
-            <a:pPr algn="just">
-              <a:spcAft>
-                <a:spcPts val="1200"/>
-              </a:spcAft>
-            </a:pPr>
-            <a:endParaRPr lang="en-US" sz="4000" dirty="0"/>
-          </a:p>
-        </p:txBody>
-      </p:sp>
-      <p:pic>
-        <p:nvPicPr>
-          <p:cNvPr id="18" name="Picture 17">
-            <a:extLst>
-              <a:ext uri="{FF2B5EF4-FFF2-40B4-BE49-F238E27FC236}">
-                <a16:creationId xmlns:a16="http://schemas.microsoft.com/office/drawing/2014/main" id="{745BF4C6-F08A-2642-8B41-BE5DE83F2A42}"/>
-              </a:ext>
-            </a:extLst>
-          </p:cNvPr>
-          <p:cNvPicPr>
-            <a:picLocks noChangeAspect="1"/>
-          </p:cNvPicPr>
-          <p:nvPr/>
-        </p:nvPicPr>
-        <p:blipFill>
-          <a:blip r:embed="rId3"/>
-          <a:stretch>
-            <a:fillRect/>
-          </a:stretch>
-        </p:blipFill>
-        <p:spPr>
-          <a:xfrm>
-            <a:off x="15228997" y="13749097"/>
-            <a:ext cx="13791921" cy="5710717"/>
-          </a:xfrm>
-          <a:prstGeom prst="rect">
-            <a:avLst/>
-          </a:prstGeom>
-        </p:spPr>
-      </p:pic>
-      <p:pic>
-        <p:nvPicPr>
-          <p:cNvPr id="30" name="Picture 29">
-            <a:extLst>
-              <a:ext uri="{FF2B5EF4-FFF2-40B4-BE49-F238E27FC236}">
-                <a16:creationId xmlns:a16="http://schemas.microsoft.com/office/drawing/2014/main" id="{C10C417F-A657-B347-BDB6-DC69502813D4}"/>
-              </a:ext>
-            </a:extLst>
-          </p:cNvPr>
-          <p:cNvPicPr>
-            <a:picLocks noChangeAspect="1"/>
-          </p:cNvPicPr>
-          <p:nvPr/>
-        </p:nvPicPr>
-        <p:blipFill>
-          <a:blip r:embed="rId4"/>
-          <a:stretch>
-            <a:fillRect/>
-          </a:stretch>
-        </p:blipFill>
-        <p:spPr>
-          <a:xfrm>
-            <a:off x="15228997" y="20178203"/>
-            <a:ext cx="13791921" cy="6321753"/>
-          </a:xfrm>
-          <a:prstGeom prst="rect">
-            <a:avLst/>
-          </a:prstGeom>
-        </p:spPr>
-      </p:pic>
+        </p:grpSpPr>
+        <p:sp>
+          <p:nvSpPr>
+            <p:cNvPr id="21" name="TextBox 20">
+              <a:extLst>
+                <a:ext uri="{FF2B5EF4-FFF2-40B4-BE49-F238E27FC236}">
+                  <a16:creationId xmlns:a16="http://schemas.microsoft.com/office/drawing/2014/main" id="{9593D2B8-478A-3740-BC96-6415A1872938}"/>
+                </a:ext>
+              </a:extLst>
+            </p:cNvPr>
+            <p:cNvSpPr txBox="1"/>
+            <p:nvPr/>
+          </p:nvSpPr>
+          <p:spPr>
+            <a:xfrm>
+              <a:off x="379141" y="4656463"/>
+              <a:ext cx="14999812" cy="1569660"/>
+            </a:xfrm>
+            <a:prstGeom prst="rect">
+              <a:avLst/>
+            </a:prstGeom>
+            <a:noFill/>
+          </p:spPr>
+          <p:txBody>
+            <a:bodyPr wrap="square" rtlCol="0">
+              <a:spAutoFit/>
+            </a:bodyPr>
+            <a:lstStyle/>
+            <a:p>
+              <a:pPr algn="ctr"/>
+              <a:r>
+                <a:rPr lang="en-US" sz="9600" b="1" dirty="0">
+                  <a:solidFill>
+                    <a:srgbClr val="0070C0"/>
+                  </a:solidFill>
+                </a:rPr>
+                <a:t>Background and Introduction</a:t>
+              </a:r>
+            </a:p>
+          </p:txBody>
+        </p:sp>
+        <p:sp>
+          <p:nvSpPr>
+            <p:cNvPr id="22" name="TextBox 21">
+              <a:extLst>
+                <a:ext uri="{FF2B5EF4-FFF2-40B4-BE49-F238E27FC236}">
+                  <a16:creationId xmlns:a16="http://schemas.microsoft.com/office/drawing/2014/main" id="{E00ACA9B-E282-644E-A8E3-1C14FEABDD3C}"/>
+                </a:ext>
+              </a:extLst>
+            </p:cNvPr>
+            <p:cNvSpPr txBox="1"/>
+            <p:nvPr/>
+          </p:nvSpPr>
+          <p:spPr>
+            <a:xfrm>
+              <a:off x="1339260" y="16781856"/>
+              <a:ext cx="13351628" cy="1569660"/>
+            </a:xfrm>
+            <a:prstGeom prst="rect">
+              <a:avLst/>
+            </a:prstGeom>
+            <a:noFill/>
+          </p:spPr>
+          <p:txBody>
+            <a:bodyPr wrap="square" rtlCol="0">
+              <a:spAutoFit/>
+            </a:bodyPr>
+            <a:lstStyle/>
+            <a:p>
+              <a:pPr algn="ctr"/>
+              <a:r>
+                <a:rPr lang="en-US" sz="9600" b="1" dirty="0">
+                  <a:solidFill>
+                    <a:srgbClr val="0070C0"/>
+                  </a:solidFill>
+                </a:rPr>
+                <a:t>Methods and Approaches</a:t>
+              </a:r>
+            </a:p>
+          </p:txBody>
+        </p:sp>
+        <p:sp>
+          <p:nvSpPr>
+            <p:cNvPr id="23" name="TextBox 22">
+              <a:extLst>
+                <a:ext uri="{FF2B5EF4-FFF2-40B4-BE49-F238E27FC236}">
+                  <a16:creationId xmlns:a16="http://schemas.microsoft.com/office/drawing/2014/main" id="{EF7862D2-C8CF-1745-A6CB-9894A2D4F753}"/>
+                </a:ext>
+              </a:extLst>
+            </p:cNvPr>
+            <p:cNvSpPr txBox="1"/>
+            <p:nvPr/>
+          </p:nvSpPr>
+          <p:spPr>
+            <a:xfrm>
+              <a:off x="1117924" y="6456454"/>
+              <a:ext cx="13372288" cy="10095071"/>
+            </a:xfrm>
+            <a:prstGeom prst="rect">
+              <a:avLst/>
+            </a:prstGeom>
+            <a:noFill/>
+          </p:spPr>
+          <p:txBody>
+            <a:bodyPr wrap="square" rtlCol="0">
+              <a:spAutoFit/>
+            </a:bodyPr>
+            <a:lstStyle/>
+            <a:p>
+              <a:pPr algn="just">
+                <a:spcAft>
+                  <a:spcPts val="1200"/>
+                </a:spcAft>
+              </a:pPr>
+              <a:r>
+                <a:rPr lang="en-US" sz="4000" dirty="0"/>
+                <a:t>Solar energy, one of the green energy, has attracted much attention because of its abundance. The most commonly used device to convert solar energy to electricity is solar panels. However, locating suitable place to install solar panels is time-consuming and inefficient.</a:t>
+              </a:r>
+            </a:p>
+            <a:p>
+              <a:pPr algn="just"/>
+              <a:r>
+                <a:rPr lang="en-US" sz="4000" dirty="0"/>
+                <a:t>In this project, we focus on predicting potential solar sites, including </a:t>
+              </a:r>
+              <a:r>
+                <a:rPr lang="en-US" sz="4000" i="1" dirty="0"/>
+                <a:t>rooftops, parking lots and parking structures</a:t>
+              </a:r>
+              <a:r>
+                <a:rPr lang="en-US" sz="4000" dirty="0"/>
+                <a:t> for commercial photovoltaics. </a:t>
+              </a:r>
+              <a:r>
+                <a:rPr lang="en-US" sz="4000" b="1" dirty="0">
+                  <a:solidFill>
+                    <a:srgbClr val="00B050"/>
+                  </a:solidFill>
+                </a:rPr>
+                <a:t>Solar energy calculation model</a:t>
+              </a:r>
+              <a:r>
+                <a:rPr lang="en-US" sz="4000" dirty="0"/>
+                <a:t> is built based on packages in </a:t>
+              </a:r>
+              <a:r>
+                <a:rPr lang="en-US" sz="4000" dirty="0" err="1"/>
+                <a:t>Arcgis</a:t>
+              </a:r>
+              <a:r>
+                <a:rPr lang="en-US" sz="4000" dirty="0"/>
+                <a:t> Desktop software, such as </a:t>
+              </a:r>
+              <a:r>
+                <a:rPr lang="en-US" sz="4000" b="1" dirty="0"/>
+                <a:t>aspect, slope and solar radiation</a:t>
+              </a:r>
+              <a:r>
+                <a:rPr lang="en-US" sz="4000" dirty="0"/>
+                <a:t>. The input is </a:t>
+              </a:r>
+              <a:r>
+                <a:rPr lang="en-US" sz="4000" i="1" dirty="0"/>
+                <a:t>Light Detection and Ranging (LIDAR) data</a:t>
+              </a:r>
+              <a:r>
+                <a:rPr lang="en-US" sz="4000" dirty="0"/>
+                <a:t>, a remote sensing method utilized by the government. The output is </a:t>
+              </a:r>
+              <a:r>
+                <a:rPr lang="en-US" sz="4000" i="1" dirty="0" err="1"/>
+                <a:t>kml</a:t>
+              </a:r>
+              <a:r>
+                <a:rPr lang="en-US" sz="4000" i="1" dirty="0"/>
+                <a:t> files</a:t>
+              </a:r>
+              <a:r>
+                <a:rPr lang="en-US" sz="4000" dirty="0"/>
+                <a:t>, which can be displayed in </a:t>
+              </a:r>
+              <a:r>
+                <a:rPr lang="en-US" sz="4000" u="sng" dirty="0"/>
+                <a:t>Google Earth Pro</a:t>
+              </a:r>
+              <a:r>
+                <a:rPr lang="en-US" sz="4000" dirty="0"/>
+                <a:t> and </a:t>
+              </a:r>
+              <a:r>
+                <a:rPr lang="en-US" sz="4000" u="sng" dirty="0"/>
+                <a:t>Google Map</a:t>
+              </a:r>
+              <a:r>
+                <a:rPr lang="en-US" sz="4000" dirty="0"/>
+                <a:t>. Unlike other PV estimation projects, our project takes </a:t>
+              </a:r>
+              <a:r>
+                <a:rPr lang="en-US" sz="4000" i="1" dirty="0"/>
+                <a:t>HVAC systems, vents and pipes on rooftops, and parking lots on the ground</a:t>
+              </a:r>
+              <a:r>
+                <a:rPr lang="en-US" sz="4000" dirty="0"/>
+                <a:t> into consideration.</a:t>
+              </a:r>
+            </a:p>
+          </p:txBody>
+        </p:sp>
+        <p:sp>
+          <p:nvSpPr>
+            <p:cNvPr id="27" name="TextBox 26">
+              <a:extLst>
+                <a:ext uri="{FF2B5EF4-FFF2-40B4-BE49-F238E27FC236}">
+                  <a16:creationId xmlns:a16="http://schemas.microsoft.com/office/drawing/2014/main" id="{52E5D4F0-B15F-E442-869D-0E21E8A68E0A}"/>
+                </a:ext>
+              </a:extLst>
+            </p:cNvPr>
+            <p:cNvSpPr txBox="1"/>
+            <p:nvPr/>
+          </p:nvSpPr>
+          <p:spPr>
+            <a:xfrm>
+              <a:off x="1117923" y="18511386"/>
+              <a:ext cx="13372288" cy="8248412"/>
+            </a:xfrm>
+            <a:prstGeom prst="rect">
+              <a:avLst/>
+            </a:prstGeom>
+            <a:noFill/>
+          </p:spPr>
+          <p:txBody>
+            <a:bodyPr wrap="square" rtlCol="0">
+              <a:spAutoFit/>
+            </a:bodyPr>
+            <a:lstStyle/>
+            <a:p>
+              <a:pPr algn="just">
+                <a:spcAft>
+                  <a:spcPts val="1200"/>
+                </a:spcAft>
+              </a:pPr>
+              <a:r>
+                <a:rPr lang="en-US" sz="4000" dirty="0"/>
+                <a:t>In order to compute solar energy, three steps are followed to complete the workflow:</a:t>
+              </a:r>
+            </a:p>
+            <a:p>
+              <a:pPr algn="just"/>
+              <a:r>
+                <a:rPr lang="en-US" sz="4000" b="1" dirty="0">
+                  <a:solidFill>
+                    <a:srgbClr val="00B050"/>
+                  </a:solidFill>
+                </a:rPr>
+                <a:t>1. Create Masks</a:t>
+              </a:r>
+            </a:p>
+            <a:p>
+              <a:pPr algn="just">
+                <a:spcAft>
+                  <a:spcPts val="1200"/>
+                </a:spcAft>
+              </a:pPr>
+              <a:r>
+                <a:rPr lang="en-US" sz="4000" dirty="0"/>
+                <a:t>First, we need to filter location generating high solar energy. In this case, three conditions are chosen to consider, i.e. </a:t>
+              </a:r>
+              <a:r>
+                <a:rPr lang="en-US" sz="4000" b="1" dirty="0" err="1">
+                  <a:solidFill>
+                    <a:srgbClr val="00B050"/>
+                  </a:solidFill>
+                </a:rPr>
+                <a:t>hillshade</a:t>
+              </a:r>
+              <a:r>
+                <a:rPr lang="en-US" sz="4000" b="1" dirty="0">
+                  <a:solidFill>
+                    <a:srgbClr val="00B050"/>
+                  </a:solidFill>
+                </a:rPr>
+                <a:t>, aspect and slope</a:t>
+              </a:r>
+              <a:r>
+                <a:rPr lang="en-US" sz="4000" dirty="0"/>
+                <a:t>. </a:t>
+              </a:r>
+              <a:r>
+                <a:rPr lang="en-US" sz="4000" dirty="0" err="1"/>
+                <a:t>Hillshade</a:t>
+              </a:r>
+              <a:r>
+                <a:rPr lang="en-US" sz="4000" dirty="0"/>
+                <a:t> eliminates places where the sun is blocked by other buildings so they cannot receive high solar radiation. The aspect of the solar panels should be south facing or horizontal to have a higher solar power output because Anchorage is located in the northern hemisphere. Slope allows for installing solar panels, which means slope should be less than 35 degrees. All three conditions create masks to detect spots proper to obtain solar energy.</a:t>
+              </a:r>
+            </a:p>
+          </p:txBody>
+        </p:sp>
+      </p:grpSp>
       <p:pic>
         <p:nvPicPr>
           <p:cNvPr id="19" name="Picture 18">
@@ -3934,7 +4206,7 @@
           <p:nvPr/>
         </p:nvPicPr>
         <p:blipFill>
-          <a:blip r:embed="rId5"/>
+          <a:blip r:embed="rId3"/>
           <a:stretch>
             <a:fillRect/>
           </a:stretch>
@@ -3964,7 +4236,7 @@
           <p:nvPr/>
         </p:nvPicPr>
         <p:blipFill>
-          <a:blip r:embed="rId6"/>
+          <a:blip r:embed="rId4"/>
           <a:stretch>
             <a:fillRect/>
           </a:stretch>
@@ -3979,6 +4251,716 @@
           </a:prstGeom>
         </p:spPr>
       </p:pic>
+      <p:grpSp>
+        <p:nvGrpSpPr>
+          <p:cNvPr id="53" name="Group 52">
+            <a:extLst>
+              <a:ext uri="{FF2B5EF4-FFF2-40B4-BE49-F238E27FC236}">
+                <a16:creationId xmlns:a16="http://schemas.microsoft.com/office/drawing/2014/main" id="{C190F9C2-7D12-B64D-9A73-F7D2A6859DAE}"/>
+              </a:ext>
+            </a:extLst>
+          </p:cNvPr>
+          <p:cNvGrpSpPr/>
+          <p:nvPr/>
+        </p:nvGrpSpPr>
+        <p:grpSpPr>
+          <a:xfrm>
+            <a:off x="29668748" y="4645966"/>
+            <a:ext cx="13372288" cy="23415970"/>
+            <a:chOff x="29733536" y="4802301"/>
+            <a:chExt cx="13372288" cy="23415970"/>
+          </a:xfrm>
+        </p:grpSpPr>
+        <p:sp>
+          <p:nvSpPr>
+            <p:cNvPr id="20" name="TextBox 19">
+              <a:extLst>
+                <a:ext uri="{FF2B5EF4-FFF2-40B4-BE49-F238E27FC236}">
+                  <a16:creationId xmlns:a16="http://schemas.microsoft.com/office/drawing/2014/main" id="{3C6FEC06-C7DB-F043-8114-F807422D6323}"/>
+                </a:ext>
+              </a:extLst>
+            </p:cNvPr>
+            <p:cNvSpPr txBox="1"/>
+            <p:nvPr/>
+          </p:nvSpPr>
+          <p:spPr>
+            <a:xfrm>
+              <a:off x="30026230" y="4802301"/>
+              <a:ext cx="12107951" cy="1569660"/>
+            </a:xfrm>
+            <a:prstGeom prst="rect">
+              <a:avLst/>
+            </a:prstGeom>
+            <a:noFill/>
+          </p:spPr>
+          <p:txBody>
+            <a:bodyPr wrap="square" rtlCol="0">
+              <a:spAutoFit/>
+            </a:bodyPr>
+            <a:lstStyle/>
+            <a:p>
+              <a:pPr algn="ctr"/>
+              <a:r>
+                <a:rPr lang="en-US" sz="9600" b="1" dirty="0">
+                  <a:solidFill>
+                    <a:srgbClr val="0070C0"/>
+                  </a:solidFill>
+                </a:rPr>
+                <a:t>Results and Conclusion</a:t>
+              </a:r>
+            </a:p>
+          </p:txBody>
+        </p:sp>
+        <p:sp>
+          <p:nvSpPr>
+            <p:cNvPr id="2" name="TextBox 1">
+              <a:extLst>
+                <a:ext uri="{FF2B5EF4-FFF2-40B4-BE49-F238E27FC236}">
+                  <a16:creationId xmlns:a16="http://schemas.microsoft.com/office/drawing/2014/main" id="{73117CEB-3247-FC4E-A988-DD4EC9ECB266}"/>
+                </a:ext>
+              </a:extLst>
+            </p:cNvPr>
+            <p:cNvSpPr txBox="1"/>
+            <p:nvPr/>
+          </p:nvSpPr>
+          <p:spPr>
+            <a:xfrm>
+              <a:off x="29733536" y="26279279"/>
+              <a:ext cx="13372288" cy="1938992"/>
+            </a:xfrm>
+            <a:prstGeom prst="rect">
+              <a:avLst/>
+            </a:prstGeom>
+            <a:noFill/>
+          </p:spPr>
+          <p:txBody>
+            <a:bodyPr wrap="square" rtlCol="0">
+              <a:spAutoFit/>
+            </a:bodyPr>
+            <a:lstStyle/>
+            <a:p>
+              <a:r>
+                <a:rPr lang="en-US" sz="2400" dirty="0"/>
+                <a:t>Reference:</a:t>
+              </a:r>
+            </a:p>
+            <a:p>
+              <a:r>
+                <a:rPr lang="en-US" sz="2400" dirty="0"/>
+                <a:t>[1] Andrea Chaves and A. Terry </a:t>
+              </a:r>
+              <a:r>
+                <a:rPr lang="en-US" sz="2400" dirty="0" err="1"/>
+                <a:t>Bahill</a:t>
+              </a:r>
+              <a:r>
+                <a:rPr lang="en-US" sz="2400" dirty="0"/>
+                <a:t>. </a:t>
+              </a:r>
+              <a:r>
+                <a:rPr lang="en-US" sz="2400" i="1" dirty="0"/>
+                <a:t>Locating Sites for Photovoltaic Solar Panels Pilot study uses DEM derived from LiDAR.</a:t>
+              </a:r>
+              <a:r>
+                <a:rPr lang="en-US" sz="2400" dirty="0"/>
+                <a:t> </a:t>
+              </a:r>
+              <a:r>
+                <a:rPr lang="en-US" sz="2400" dirty="0" err="1"/>
+                <a:t>ArcUser</a:t>
+              </a:r>
+              <a:r>
+                <a:rPr lang="en-US" sz="2400" dirty="0"/>
+                <a:t> Fall 2010. </a:t>
+              </a:r>
+            </a:p>
+            <a:p>
+              <a:r>
+                <a:rPr lang="en-US" sz="2400" dirty="0"/>
+                <a:t>[2]</a:t>
+              </a:r>
+              <a:r>
+                <a:rPr lang="en-US" sz="2400" i="1" dirty="0"/>
+                <a:t> </a:t>
+              </a:r>
+              <a:r>
+                <a:rPr lang="en-US" sz="2400" dirty="0"/>
+                <a:t>Clean Coalition. </a:t>
+              </a:r>
+              <a:r>
+                <a:rPr lang="en-US" sz="2400" i="1" dirty="0"/>
+                <a:t>Solar Siting Survey Draft Final Summary Report: Solar Photovoltaic (PV) Commercial-Scale Sites for 1,000 kW (AC) and Larger</a:t>
+              </a:r>
+              <a:r>
+                <a:rPr lang="en-US" sz="2400" dirty="0"/>
+                <a:t>. August 2017. </a:t>
+              </a:r>
+              <a:r>
+                <a:rPr lang="en-US" sz="2400" u="sng" dirty="0">
+                  <a:hlinkClick r:id="rId5"/>
+                </a:rPr>
+                <a:t>www.clean-coalition.org</a:t>
+              </a:r>
+              <a:r>
+                <a:rPr lang="en-US" sz="2400" dirty="0"/>
+                <a:t> </a:t>
+              </a:r>
+            </a:p>
+          </p:txBody>
+        </p:sp>
+        <p:grpSp>
+          <p:nvGrpSpPr>
+            <p:cNvPr id="45" name="Group 44">
+              <a:extLst>
+                <a:ext uri="{FF2B5EF4-FFF2-40B4-BE49-F238E27FC236}">
+                  <a16:creationId xmlns:a16="http://schemas.microsoft.com/office/drawing/2014/main" id="{9692A8EB-A11C-1D4D-8549-5BAAB228E94B}"/>
+                </a:ext>
+              </a:extLst>
+            </p:cNvPr>
+            <p:cNvGrpSpPr/>
+            <p:nvPr/>
+          </p:nvGrpSpPr>
+          <p:grpSpPr>
+            <a:xfrm>
+              <a:off x="31024597" y="6226123"/>
+              <a:ext cx="10790171" cy="7765503"/>
+              <a:chOff x="31024597" y="6226123"/>
+              <a:chExt cx="10790171" cy="7765503"/>
+            </a:xfrm>
+          </p:grpSpPr>
+          <p:pic>
+            <p:nvPicPr>
+              <p:cNvPr id="12" name="Picture 11">
+                <a:extLst>
+                  <a:ext uri="{FF2B5EF4-FFF2-40B4-BE49-F238E27FC236}">
+                    <a16:creationId xmlns:a16="http://schemas.microsoft.com/office/drawing/2014/main" id="{A6B75756-63A3-454D-834E-0F79C0AB9E29}"/>
+                  </a:ext>
+                </a:extLst>
+              </p:cNvPr>
+              <p:cNvPicPr>
+                <a:picLocks noChangeAspect="1"/>
+              </p:cNvPicPr>
+              <p:nvPr/>
+            </p:nvPicPr>
+            <p:blipFill>
+              <a:blip r:embed="rId6"/>
+              <a:stretch>
+                <a:fillRect/>
+              </a:stretch>
+            </p:blipFill>
+            <p:spPr>
+              <a:xfrm>
+                <a:off x="31024597" y="6226123"/>
+                <a:ext cx="10790171" cy="7285435"/>
+              </a:xfrm>
+              <a:prstGeom prst="rect">
+                <a:avLst/>
+              </a:prstGeom>
+            </p:spPr>
+          </p:pic>
+          <p:sp>
+            <p:nvSpPr>
+              <p:cNvPr id="24" name="TextBox 23">
+                <a:extLst>
+                  <a:ext uri="{FF2B5EF4-FFF2-40B4-BE49-F238E27FC236}">
+                    <a16:creationId xmlns:a16="http://schemas.microsoft.com/office/drawing/2014/main" id="{96D125D0-44DD-D34D-A1FC-04A81AC3933C}"/>
+                  </a:ext>
+                </a:extLst>
+              </p:cNvPr>
+              <p:cNvSpPr txBox="1"/>
+              <p:nvPr/>
+            </p:nvSpPr>
+            <p:spPr>
+              <a:xfrm>
+                <a:off x="32345944" y="13529961"/>
+                <a:ext cx="8147475" cy="461665"/>
+              </a:xfrm>
+              <a:prstGeom prst="rect">
+                <a:avLst/>
+              </a:prstGeom>
+              <a:noFill/>
+            </p:spPr>
+            <p:txBody>
+              <a:bodyPr wrap="square" rtlCol="0">
+                <a:spAutoFit/>
+              </a:bodyPr>
+              <a:lstStyle/>
+              <a:p>
+                <a:pPr algn="ctr"/>
+                <a:r>
+                  <a:rPr lang="en-US" sz="2400" dirty="0"/>
+                  <a:t>Table 1 Study Case in Midtown Council Displayed in Spreadsheet</a:t>
+                </a:r>
+              </a:p>
+            </p:txBody>
+          </p:sp>
+        </p:grpSp>
+        <p:grpSp>
+          <p:nvGrpSpPr>
+            <p:cNvPr id="46" name="Group 45">
+              <a:extLst>
+                <a:ext uri="{FF2B5EF4-FFF2-40B4-BE49-F238E27FC236}">
+                  <a16:creationId xmlns:a16="http://schemas.microsoft.com/office/drawing/2014/main" id="{09986CBB-731A-B04F-88AC-EFB514B463C2}"/>
+                </a:ext>
+              </a:extLst>
+            </p:cNvPr>
+            <p:cNvGrpSpPr/>
+            <p:nvPr/>
+          </p:nvGrpSpPr>
+          <p:grpSpPr>
+            <a:xfrm>
+              <a:off x="31517482" y="14102555"/>
+              <a:ext cx="9804400" cy="5588091"/>
+              <a:chOff x="31517482" y="14102555"/>
+              <a:chExt cx="9804400" cy="5588091"/>
+            </a:xfrm>
+          </p:grpSpPr>
+          <p:pic>
+            <p:nvPicPr>
+              <p:cNvPr id="14" name="Picture 13">
+                <a:extLst>
+                  <a:ext uri="{FF2B5EF4-FFF2-40B4-BE49-F238E27FC236}">
+                    <a16:creationId xmlns:a16="http://schemas.microsoft.com/office/drawing/2014/main" id="{DA81D900-B59F-5241-8447-66EBDA6BB103}"/>
+                  </a:ext>
+                </a:extLst>
+              </p:cNvPr>
+              <p:cNvPicPr>
+                <a:picLocks noChangeAspect="1"/>
+              </p:cNvPicPr>
+              <p:nvPr/>
+            </p:nvPicPr>
+            <p:blipFill>
+              <a:blip r:embed="rId7"/>
+              <a:stretch>
+                <a:fillRect/>
+              </a:stretch>
+            </p:blipFill>
+            <p:spPr>
+              <a:xfrm>
+                <a:off x="31517482" y="14102555"/>
+                <a:ext cx="9804400" cy="5003800"/>
+              </a:xfrm>
+              <a:prstGeom prst="rect">
+                <a:avLst/>
+              </a:prstGeom>
+            </p:spPr>
+          </p:pic>
+          <p:sp>
+            <p:nvSpPr>
+              <p:cNvPr id="33" name="TextBox 32">
+                <a:extLst>
+                  <a:ext uri="{FF2B5EF4-FFF2-40B4-BE49-F238E27FC236}">
+                    <a16:creationId xmlns:a16="http://schemas.microsoft.com/office/drawing/2014/main" id="{1993504E-2337-BB45-9C5E-35729203B29A}"/>
+                  </a:ext>
+                </a:extLst>
+              </p:cNvPr>
+              <p:cNvSpPr txBox="1"/>
+              <p:nvPr/>
+            </p:nvSpPr>
+            <p:spPr>
+              <a:xfrm>
+                <a:off x="31923731" y="19228981"/>
+                <a:ext cx="8991902" cy="461665"/>
+              </a:xfrm>
+              <a:prstGeom prst="rect">
+                <a:avLst/>
+              </a:prstGeom>
+              <a:noFill/>
+            </p:spPr>
+            <p:txBody>
+              <a:bodyPr wrap="square" rtlCol="0">
+                <a:spAutoFit/>
+              </a:bodyPr>
+              <a:lstStyle/>
+              <a:p>
+                <a:pPr algn="ctr"/>
+                <a:r>
+                  <a:rPr lang="en-US" sz="2400" dirty="0"/>
+                  <a:t>Figure 3 Study Case in Midtown Council Displayed in Google Earth Pro</a:t>
+                </a:r>
+              </a:p>
+            </p:txBody>
+          </p:sp>
+        </p:grpSp>
+        <p:sp>
+          <p:nvSpPr>
+            <p:cNvPr id="35" name="TextBox 34">
+              <a:extLst>
+                <a:ext uri="{FF2B5EF4-FFF2-40B4-BE49-F238E27FC236}">
+                  <a16:creationId xmlns:a16="http://schemas.microsoft.com/office/drawing/2014/main" id="{4B974340-0B13-F44E-B509-20C7FEE922DC}"/>
+                </a:ext>
+              </a:extLst>
+            </p:cNvPr>
+            <p:cNvSpPr txBox="1"/>
+            <p:nvPr/>
+          </p:nvSpPr>
+          <p:spPr>
+            <a:xfrm>
+              <a:off x="29733536" y="19808013"/>
+              <a:ext cx="13372288" cy="6401753"/>
+            </a:xfrm>
+            <a:prstGeom prst="rect">
+              <a:avLst/>
+            </a:prstGeom>
+            <a:noFill/>
+          </p:spPr>
+          <p:txBody>
+            <a:bodyPr wrap="square" rtlCol="0">
+              <a:spAutoFit/>
+            </a:bodyPr>
+            <a:lstStyle/>
+            <a:p>
+              <a:pPr algn="just">
+                <a:spcAft>
+                  <a:spcPts val="1200"/>
+                </a:spcAft>
+              </a:pPr>
+              <a:r>
+                <a:rPr lang="en-US" sz="4000" dirty="0"/>
+                <a:t>We take Midtown Council in Anchorage as a study case, other councils and locations can use similar methods, or apply the python module on our GitHub Repository. From the Table 1, a number of potential solar sites are identified, ranging from      70 W to 1500 W during Year 2018. Furthermore, displaying </a:t>
+              </a:r>
+              <a:r>
+                <a:rPr lang="en-US" sz="4000" dirty="0" err="1"/>
+                <a:t>kml</a:t>
+              </a:r>
+              <a:r>
+                <a:rPr lang="en-US" sz="4000" dirty="0"/>
+                <a:t> files in Google Earth Pro and Google Map makes it easy to locate the sites. For example, in Figure 3, the address of JL Tower, the possible PV solar energy can be readily seen.</a:t>
+              </a:r>
+            </a:p>
+            <a:p>
+              <a:pPr algn="just">
+                <a:spcAft>
+                  <a:spcPts val="1200"/>
+                </a:spcAft>
+              </a:pPr>
+              <a:r>
+                <a:rPr lang="en-US" sz="4000" dirty="0"/>
+                <a:t>In a word, we successfully build </a:t>
+              </a:r>
+              <a:r>
+                <a:rPr lang="en-US" sz="4000" b="1" dirty="0"/>
+                <a:t>Solar Energy Calculation module</a:t>
+              </a:r>
+              <a:r>
+                <a:rPr lang="en-US" sz="4000" dirty="0"/>
+                <a:t> to identify and compute potential solar energy.</a:t>
+              </a:r>
+            </a:p>
+          </p:txBody>
+        </p:sp>
+      </p:grpSp>
+      <p:pic>
+        <p:nvPicPr>
+          <p:cNvPr id="47" name="Picture 46">
+            <a:extLst>
+              <a:ext uri="{FF2B5EF4-FFF2-40B4-BE49-F238E27FC236}">
+                <a16:creationId xmlns:a16="http://schemas.microsoft.com/office/drawing/2014/main" id="{3ADB3C72-5A19-EA4F-86C6-24BA39AE42E6}"/>
+              </a:ext>
+            </a:extLst>
+          </p:cNvPr>
+          <p:cNvPicPr>
+            <a:picLocks noChangeAspect="1"/>
+          </p:cNvPicPr>
+          <p:nvPr/>
+        </p:nvPicPr>
+        <p:blipFill>
+          <a:blip r:embed="rId8"/>
+          <a:stretch>
+            <a:fillRect/>
+          </a:stretch>
+        </p:blipFill>
+        <p:spPr>
+          <a:xfrm>
+            <a:off x="390329" y="28529064"/>
+            <a:ext cx="12289536" cy="4397060"/>
+          </a:xfrm>
+          <a:prstGeom prst="rect">
+            <a:avLst/>
+          </a:prstGeom>
+        </p:spPr>
+      </p:pic>
+      <p:grpSp>
+        <p:nvGrpSpPr>
+          <p:cNvPr id="52" name="Group 51">
+            <a:extLst>
+              <a:ext uri="{FF2B5EF4-FFF2-40B4-BE49-F238E27FC236}">
+                <a16:creationId xmlns:a16="http://schemas.microsoft.com/office/drawing/2014/main" id="{11A378A5-2D3B-F641-8167-8B9AF7F6AEFB}"/>
+              </a:ext>
+            </a:extLst>
+          </p:cNvPr>
+          <p:cNvGrpSpPr/>
+          <p:nvPr/>
+        </p:nvGrpSpPr>
+        <p:grpSpPr>
+          <a:xfrm>
+            <a:off x="15680170" y="5312857"/>
+            <a:ext cx="13794130" cy="21784135"/>
+            <a:chOff x="15500368" y="4656463"/>
+            <a:chExt cx="13794130" cy="21784135"/>
+          </a:xfrm>
+        </p:grpSpPr>
+        <p:sp>
+          <p:nvSpPr>
+            <p:cNvPr id="28" name="TextBox 27">
+              <a:extLst>
+                <a:ext uri="{FF2B5EF4-FFF2-40B4-BE49-F238E27FC236}">
+                  <a16:creationId xmlns:a16="http://schemas.microsoft.com/office/drawing/2014/main" id="{6F67B3BF-4CC7-8143-99DC-EF0BBB10F46B}"/>
+                </a:ext>
+              </a:extLst>
+            </p:cNvPr>
+            <p:cNvSpPr txBox="1"/>
+            <p:nvPr/>
+          </p:nvSpPr>
+          <p:spPr>
+            <a:xfrm>
+              <a:off x="15712394" y="4656463"/>
+              <a:ext cx="13372288" cy="9633406"/>
+            </a:xfrm>
+            <a:prstGeom prst="rect">
+              <a:avLst/>
+            </a:prstGeom>
+            <a:noFill/>
+          </p:spPr>
+          <p:txBody>
+            <a:bodyPr wrap="square" rtlCol="0">
+              <a:spAutoFit/>
+            </a:bodyPr>
+            <a:lstStyle/>
+            <a:p>
+              <a:pPr algn="just"/>
+              <a:r>
+                <a:rPr lang="en-US" sz="4000" b="1" dirty="0">
+                  <a:solidFill>
+                    <a:srgbClr val="00B050"/>
+                  </a:solidFill>
+                </a:rPr>
+                <a:t>2. Calculate Solar Radiation</a:t>
+              </a:r>
+              <a:endParaRPr lang="en-US" sz="4000" dirty="0">
+                <a:solidFill>
+                  <a:srgbClr val="00B050"/>
+                </a:solidFill>
+              </a:endParaRPr>
+            </a:p>
+            <a:p>
+              <a:pPr algn="just">
+                <a:spcAft>
+                  <a:spcPts val="1200"/>
+                </a:spcAft>
+              </a:pPr>
+              <a:r>
+                <a:rPr lang="en-US" sz="4000" dirty="0"/>
+                <a:t>After masking, the remaining areas are used to calculate solar radiation. </a:t>
+              </a:r>
+              <a:r>
+                <a:rPr lang="en-US" sz="4000" dirty="0" err="1"/>
+                <a:t>Arcgis</a:t>
+              </a:r>
+              <a:r>
+                <a:rPr lang="en-US" sz="4000" dirty="0"/>
+                <a:t> has a powerful tool -- Solar Radiation tool, which can derive incoming solar radiation during a year. This is based on </a:t>
+              </a:r>
+              <a:r>
+                <a:rPr lang="en-US" sz="4000" b="1" dirty="0"/>
+                <a:t>hemispherical viewshed algorithm </a:t>
+              </a:r>
+              <a:r>
+                <a:rPr lang="en-US" sz="4000" dirty="0"/>
+                <a:t>developed by Rich and Fu, taking into account direct radiation and diffuse radiation. However, compared to System Advisor Model (SAM), this tool neglects local meteorological</a:t>
+              </a:r>
+              <a:r>
+                <a:rPr lang="zh-CN" altLang="en-US" sz="4000" dirty="0"/>
+                <a:t> </a:t>
+              </a:r>
+              <a:r>
+                <a:rPr lang="en-US" altLang="zh-CN" sz="4000" dirty="0"/>
+                <a:t>data, making the results less accurate.</a:t>
+              </a:r>
+              <a:endParaRPr lang="en-US" sz="4000" dirty="0"/>
+            </a:p>
+            <a:p>
+              <a:pPr algn="just"/>
+              <a:r>
+                <a:rPr lang="en-US" sz="4000" b="1" dirty="0">
+                  <a:solidFill>
+                    <a:srgbClr val="00B050"/>
+                  </a:solidFill>
+                </a:rPr>
+                <a:t>3. Compute Solar Energy</a:t>
+              </a:r>
+            </a:p>
+            <a:p>
+              <a:pPr algn="just"/>
+              <a:r>
+                <a:rPr lang="en-US" sz="4000" dirty="0"/>
+                <a:t>Combining area of rooftops or parking lots and solar radiation they collect, we can attain the overall solar energy they produce. When converting into </a:t>
+              </a:r>
+              <a:r>
+                <a:rPr lang="en-US" sz="4000" dirty="0" err="1"/>
+                <a:t>kml</a:t>
+              </a:r>
+              <a:r>
+                <a:rPr lang="en-US" sz="4000" dirty="0"/>
+                <a:t> files, which can open by Google Earth Pro and Google Map, one can easily decide if it is worthwhile to planting solar panels in this specific location.</a:t>
+              </a:r>
+            </a:p>
+          </p:txBody>
+        </p:sp>
+        <p:grpSp>
+          <p:nvGrpSpPr>
+            <p:cNvPr id="44" name="Group 43">
+              <a:extLst>
+                <a:ext uri="{FF2B5EF4-FFF2-40B4-BE49-F238E27FC236}">
+                  <a16:creationId xmlns:a16="http://schemas.microsoft.com/office/drawing/2014/main" id="{93025EAA-63BE-D848-A75D-785F5B44E23C}"/>
+                </a:ext>
+              </a:extLst>
+            </p:cNvPr>
+            <p:cNvGrpSpPr/>
+            <p:nvPr/>
+          </p:nvGrpSpPr>
+          <p:grpSpPr>
+            <a:xfrm>
+              <a:off x="15502577" y="14442538"/>
+              <a:ext cx="13791921" cy="6621437"/>
+              <a:chOff x="15215913" y="14135172"/>
+              <a:chExt cx="13791921" cy="6621437"/>
+            </a:xfrm>
+          </p:grpSpPr>
+          <p:pic>
+            <p:nvPicPr>
+              <p:cNvPr id="18" name="Picture 17">
+                <a:extLst>
+                  <a:ext uri="{FF2B5EF4-FFF2-40B4-BE49-F238E27FC236}">
+                    <a16:creationId xmlns:a16="http://schemas.microsoft.com/office/drawing/2014/main" id="{745BF4C6-F08A-2642-8B41-BE5DE83F2A42}"/>
+                  </a:ext>
+                </a:extLst>
+              </p:cNvPr>
+              <p:cNvPicPr>
+                <a:picLocks noChangeAspect="1"/>
+              </p:cNvPicPr>
+              <p:nvPr/>
+            </p:nvPicPr>
+            <p:blipFill>
+              <a:blip r:embed="rId9"/>
+              <a:stretch>
+                <a:fillRect/>
+              </a:stretch>
+            </p:blipFill>
+            <p:spPr>
+              <a:xfrm>
+                <a:off x="15215913" y="14135172"/>
+                <a:ext cx="13791921" cy="5710717"/>
+              </a:xfrm>
+              <a:prstGeom prst="rect">
+                <a:avLst/>
+              </a:prstGeom>
+            </p:spPr>
+          </p:pic>
+          <p:sp>
+            <p:nvSpPr>
+              <p:cNvPr id="17" name="TextBox 16">
+                <a:extLst>
+                  <a:ext uri="{FF2B5EF4-FFF2-40B4-BE49-F238E27FC236}">
+                    <a16:creationId xmlns:a16="http://schemas.microsoft.com/office/drawing/2014/main" id="{05ED8D57-4E56-CC48-9F50-E8B4AE94A032}"/>
+                  </a:ext>
+                </a:extLst>
+              </p:cNvPr>
+              <p:cNvSpPr txBox="1"/>
+              <p:nvPr/>
+            </p:nvSpPr>
+            <p:spPr>
+              <a:xfrm>
+                <a:off x="18395156" y="20294944"/>
+                <a:ext cx="7100888" cy="461665"/>
+              </a:xfrm>
+              <a:prstGeom prst="rect">
+                <a:avLst/>
+              </a:prstGeom>
+              <a:noFill/>
+            </p:spPr>
+            <p:txBody>
+              <a:bodyPr wrap="square" rtlCol="0">
+                <a:spAutoFit/>
+              </a:bodyPr>
+              <a:lstStyle/>
+              <a:p>
+                <a:pPr algn="ctr"/>
+                <a:r>
+                  <a:rPr lang="en-US" sz="2400" dirty="0"/>
+                  <a:t>Figure 1 Flowchart of Methods and Approaches </a:t>
+                </a:r>
+              </a:p>
+            </p:txBody>
+          </p:sp>
+        </p:grpSp>
+        <p:sp>
+          <p:nvSpPr>
+            <p:cNvPr id="38" name="TextBox 37">
+              <a:extLst>
+                <a:ext uri="{FF2B5EF4-FFF2-40B4-BE49-F238E27FC236}">
+                  <a16:creationId xmlns:a16="http://schemas.microsoft.com/office/drawing/2014/main" id="{C0F59F3D-7A2C-304D-8AF8-62848E851423}"/>
+                </a:ext>
+              </a:extLst>
+            </p:cNvPr>
+            <p:cNvSpPr txBox="1"/>
+            <p:nvPr/>
+          </p:nvSpPr>
+          <p:spPr>
+            <a:xfrm>
+              <a:off x="18395156" y="25978933"/>
+              <a:ext cx="7100888" cy="461665"/>
+            </a:xfrm>
+            <a:prstGeom prst="rect">
+              <a:avLst/>
+            </a:prstGeom>
+            <a:noFill/>
+          </p:spPr>
+          <p:txBody>
+            <a:bodyPr wrap="square" rtlCol="0">
+              <a:spAutoFit/>
+            </a:bodyPr>
+            <a:lstStyle/>
+            <a:p>
+              <a:pPr algn="ctr"/>
+              <a:r>
+                <a:rPr lang="en-US" sz="2400" dirty="0"/>
+                <a:t>Figure 2 Model Builder of Creating Masks</a:t>
+              </a:r>
+            </a:p>
+          </p:txBody>
+        </p:sp>
+        <p:pic>
+          <p:nvPicPr>
+            <p:cNvPr id="49" name="Picture 48">
+              <a:extLst>
+                <a:ext uri="{FF2B5EF4-FFF2-40B4-BE49-F238E27FC236}">
+                  <a16:creationId xmlns:a16="http://schemas.microsoft.com/office/drawing/2014/main" id="{5BB9FEB0-AC90-9346-9F92-2643F3F0194D}"/>
+                </a:ext>
+              </a:extLst>
+            </p:cNvPr>
+            <p:cNvPicPr>
+              <a:picLocks noChangeAspect="1"/>
+            </p:cNvPicPr>
+            <p:nvPr/>
+          </p:nvPicPr>
+          <p:blipFill>
+            <a:blip r:embed="rId10"/>
+            <a:stretch>
+              <a:fillRect/>
+            </a:stretch>
+          </p:blipFill>
+          <p:spPr>
+            <a:xfrm>
+              <a:off x="15500368" y="21513030"/>
+              <a:ext cx="13794130" cy="4022078"/>
+            </a:xfrm>
+            <a:prstGeom prst="rect">
+              <a:avLst/>
+            </a:prstGeom>
+          </p:spPr>
+        </p:pic>
+      </p:grpSp>
     </p:spTree>
     <p:extLst>
       <p:ext uri="{BB962C8B-B14F-4D97-AF65-F5344CB8AC3E}">
@@ -4251,4 +5233,299 @@
     </a:ext>
   </a:extLst>
 </a:theme>
+</file>
+
+<file path=ppt/theme/theme2.xml><?xml version="1.0" encoding="utf-8"?>
+<a:theme xmlns:a="http://schemas.openxmlformats.org/drawingml/2006/main" name="Office Theme">
+  <a:themeElements>
+    <a:clrScheme name="Office">
+      <a:dk1>
+        <a:sysClr val="windowText" lastClr="000000"/>
+      </a:dk1>
+      <a:lt1>
+        <a:sysClr val="window" lastClr="FFFFFF"/>
+      </a:lt1>
+      <a:dk2>
+        <a:srgbClr val="44546A"/>
+      </a:dk2>
+      <a:lt2>
+        <a:srgbClr val="E7E6E6"/>
+      </a:lt2>
+      <a:accent1>
+        <a:srgbClr val="4472C4"/>
+      </a:accent1>
+      <a:accent2>
+        <a:srgbClr val="ED7D31"/>
+      </a:accent2>
+      <a:accent3>
+        <a:srgbClr val="A5A5A5"/>
+      </a:accent3>
+      <a:accent4>
+        <a:srgbClr val="FFC000"/>
+      </a:accent4>
+      <a:accent5>
+        <a:srgbClr val="5B9BD5"/>
+      </a:accent5>
+      <a:accent6>
+        <a:srgbClr val="70AD47"/>
+      </a:accent6>
+      <a:hlink>
+        <a:srgbClr val="0563C1"/>
+      </a:hlink>
+      <a:folHlink>
+        <a:srgbClr val="954F72"/>
+      </a:folHlink>
+    </a:clrScheme>
+    <a:fontScheme name="Office">
+      <a:majorFont>
+        <a:latin typeface="Calibri Light" panose="020F0302020204030204"/>
+        <a:ea typeface=""/>
+        <a:cs typeface=""/>
+        <a:font script="Jpan" typeface="游ゴシック Light"/>
+        <a:font script="Hang" typeface="맑은 고딕"/>
+        <a:font script="Hans" typeface="等线 Light"/>
+        <a:font script="Hant" typeface="新細明體"/>
+        <a:font script="Arab" typeface="Times New Roman"/>
+        <a:font script="Hebr" typeface="Times New Roman"/>
+        <a:font script="Thai" typeface="Angsana New"/>
+        <a:font script="Ethi" typeface="Nyala"/>
+        <a:font script="Beng" typeface="Vrinda"/>
+        <a:font script="Gujr" typeface="Shruti"/>
+        <a:font script="Khmr" typeface="MoolBoran"/>
+        <a:font script="Knda" typeface="Tunga"/>
+        <a:font script="Guru" typeface="Raavi"/>
+        <a:font script="Cans" typeface="Euphemia"/>
+        <a:font script="Cher" typeface="Plantagenet Cherokee"/>
+        <a:font script="Yiii" typeface="Microsoft Yi Baiti"/>
+        <a:font script="Tibt" typeface="Microsoft Himalaya"/>
+        <a:font script="Thaa" typeface="MV Boli"/>
+        <a:font script="Deva" typeface="Mangal"/>
+        <a:font script="Telu" typeface="Gautami"/>
+        <a:font script="Taml" typeface="Latha"/>
+        <a:font script="Syrc" typeface="Estrangelo Edessa"/>
+        <a:font script="Orya" typeface="Kalinga"/>
+        <a:font script="Mlym" typeface="Kartika"/>
+        <a:font script="Laoo" typeface="DokChampa"/>
+        <a:font script="Sinh" typeface="Iskoola Pota"/>
+        <a:font script="Mong" typeface="Mongolian Baiti"/>
+        <a:font script="Viet" typeface="Times New Roman"/>
+        <a:font script="Uigh" typeface="Microsoft Uighur"/>
+        <a:font script="Geor" typeface="Sylfaen"/>
+        <a:font script="Armn" typeface="Arial"/>
+        <a:font script="Bugi" typeface="Leelawadee UI"/>
+        <a:font script="Bopo" typeface="Microsoft JhengHei"/>
+        <a:font script="Java" typeface="Javanese Text"/>
+        <a:font script="Lisu" typeface="Segoe UI"/>
+        <a:font script="Mymr" typeface="Myanmar Text"/>
+        <a:font script="Nkoo" typeface="Ebrima"/>
+        <a:font script="Olck" typeface="Nirmala UI"/>
+        <a:font script="Osma" typeface="Ebrima"/>
+        <a:font script="Phag" typeface="Phagspa"/>
+        <a:font script="Syrn" typeface="Estrangelo Edessa"/>
+        <a:font script="Syrj" typeface="Estrangelo Edessa"/>
+        <a:font script="Syre" typeface="Estrangelo Edessa"/>
+        <a:font script="Sora" typeface="Nirmala UI"/>
+        <a:font script="Tale" typeface="Microsoft Tai Le"/>
+        <a:font script="Talu" typeface="Microsoft New Tai Lue"/>
+        <a:font script="Tfng" typeface="Ebrima"/>
+      </a:majorFont>
+      <a:minorFont>
+        <a:latin typeface="Calibri" panose="020F0502020204030204"/>
+        <a:ea typeface=""/>
+        <a:cs typeface=""/>
+        <a:font script="Jpan" typeface="游ゴシック"/>
+        <a:font script="Hang" typeface="맑은 고딕"/>
+        <a:font script="Hans" typeface="等线"/>
+        <a:font script="Hant" typeface="新細明體"/>
+        <a:font script="Arab" typeface="Arial"/>
+        <a:font script="Hebr" typeface="Arial"/>
+        <a:font script="Thai" typeface="Cordia New"/>
+        <a:font script="Ethi" typeface="Nyala"/>
+        <a:font script="Beng" typeface="Vrinda"/>
+        <a:font script="Gujr" typeface="Shruti"/>
+        <a:font script="Khmr" typeface="DaunPenh"/>
+        <a:font script="Knda" typeface="Tunga"/>
+        <a:font script="Guru" typeface="Raavi"/>
+        <a:font script="Cans" typeface="Euphemia"/>
+        <a:font script="Cher" typeface="Plantagenet Cherokee"/>
+        <a:font script="Yiii" typeface="Microsoft Yi Baiti"/>
+        <a:font script="Tibt" typeface="Microsoft Himalaya"/>
+        <a:font script="Thaa" typeface="MV Boli"/>
+        <a:font script="Deva" typeface="Mangal"/>
+        <a:font script="Telu" typeface="Gautami"/>
+        <a:font script="Taml" typeface="Latha"/>
+        <a:font script="Syrc" typeface="Estrangelo Edessa"/>
+        <a:font script="Orya" typeface="Kalinga"/>
+        <a:font script="Mlym" typeface="Kartika"/>
+        <a:font script="Laoo" typeface="DokChampa"/>
+        <a:font script="Sinh" typeface="Iskoola Pota"/>
+        <a:font script="Mong" typeface="Mongolian Baiti"/>
+        <a:font script="Viet" typeface="Arial"/>
+        <a:font script="Uigh" typeface="Microsoft Uighur"/>
+        <a:font script="Geor" typeface="Sylfaen"/>
+        <a:font script="Armn" typeface="Arial"/>
+        <a:font script="Bugi" typeface="Leelawadee UI"/>
+        <a:font script="Bopo" typeface="Microsoft JhengHei"/>
+        <a:font script="Java" typeface="Javanese Text"/>
+        <a:font script="Lisu" typeface="Segoe UI"/>
+        <a:font script="Mymr" typeface="Myanmar Text"/>
+        <a:font script="Nkoo" typeface="Ebrima"/>
+        <a:font script="Olck" typeface="Nirmala UI"/>
+        <a:font script="Osma" typeface="Ebrima"/>
+        <a:font script="Phag" typeface="Phagspa"/>
+        <a:font script="Syrn" typeface="Estrangelo Edessa"/>
+        <a:font script="Syrj" typeface="Estrangelo Edessa"/>
+        <a:font script="Syre" typeface="Estrangelo Edessa"/>
+        <a:font script="Sora" typeface="Nirmala UI"/>
+        <a:font script="Tale" typeface="Microsoft Tai Le"/>
+        <a:font script="Talu" typeface="Microsoft New Tai Lue"/>
+        <a:font script="Tfng" typeface="Ebrima"/>
+      </a:minorFont>
+    </a:fontScheme>
+    <a:fmtScheme name="Office">
+      <a:fillStyleLst>
+        <a:solidFill>
+          <a:schemeClr val="phClr"/>
+        </a:solidFill>
+        <a:gradFill rotWithShape="1">
+          <a:gsLst>
+            <a:gs pos="0">
+              <a:schemeClr val="phClr">
+                <a:lumMod val="110000"/>
+                <a:satMod val="105000"/>
+                <a:tint val="67000"/>
+              </a:schemeClr>
+            </a:gs>
+            <a:gs pos="50000">
+              <a:schemeClr val="phClr">
+                <a:lumMod val="105000"/>
+                <a:satMod val="103000"/>
+                <a:tint val="73000"/>
+              </a:schemeClr>
+            </a:gs>
+            <a:gs pos="100000">
+              <a:schemeClr val="phClr">
+                <a:lumMod val="105000"/>
+                <a:satMod val="109000"/>
+                <a:tint val="81000"/>
+              </a:schemeClr>
+            </a:gs>
+          </a:gsLst>
+          <a:lin ang="5400000" scaled="0"/>
+        </a:gradFill>
+        <a:gradFill rotWithShape="1">
+          <a:gsLst>
+            <a:gs pos="0">
+              <a:schemeClr val="phClr">
+                <a:satMod val="103000"/>
+                <a:lumMod val="102000"/>
+                <a:tint val="94000"/>
+              </a:schemeClr>
+            </a:gs>
+            <a:gs pos="50000">
+              <a:schemeClr val="phClr">
+                <a:satMod val="110000"/>
+                <a:lumMod val="100000"/>
+                <a:shade val="100000"/>
+              </a:schemeClr>
+            </a:gs>
+            <a:gs pos="100000">
+              <a:schemeClr val="phClr">
+                <a:lumMod val="99000"/>
+                <a:satMod val="120000"/>
+                <a:shade val="78000"/>
+              </a:schemeClr>
+            </a:gs>
+          </a:gsLst>
+          <a:lin ang="5400000" scaled="0"/>
+        </a:gradFill>
+      </a:fillStyleLst>
+      <a:lnStyleLst>
+        <a:ln w="6350" cap="flat" cmpd="sng" algn="ctr">
+          <a:solidFill>
+            <a:schemeClr val="phClr"/>
+          </a:solidFill>
+          <a:prstDash val="solid"/>
+          <a:miter lim="800000"/>
+        </a:ln>
+        <a:ln w="12700" cap="flat" cmpd="sng" algn="ctr">
+          <a:solidFill>
+            <a:schemeClr val="phClr"/>
+          </a:solidFill>
+          <a:prstDash val="solid"/>
+          <a:miter lim="800000"/>
+        </a:ln>
+        <a:ln w="19050" cap="flat" cmpd="sng" algn="ctr">
+          <a:solidFill>
+            <a:schemeClr val="phClr"/>
+          </a:solidFill>
+          <a:prstDash val="solid"/>
+          <a:miter lim="800000"/>
+        </a:ln>
+      </a:lnStyleLst>
+      <a:effectStyleLst>
+        <a:effectStyle>
+          <a:effectLst/>
+        </a:effectStyle>
+        <a:effectStyle>
+          <a:effectLst/>
+        </a:effectStyle>
+        <a:effectStyle>
+          <a:effectLst>
+            <a:outerShdw blurRad="57150" dist="19050" dir="5400000" algn="ctr" rotWithShape="0">
+              <a:srgbClr val="000000">
+                <a:alpha val="63000"/>
+              </a:srgbClr>
+            </a:outerShdw>
+          </a:effectLst>
+        </a:effectStyle>
+      </a:effectStyleLst>
+      <a:bgFillStyleLst>
+        <a:solidFill>
+          <a:schemeClr val="phClr"/>
+        </a:solidFill>
+        <a:solidFill>
+          <a:schemeClr val="phClr">
+            <a:tint val="95000"/>
+            <a:satMod val="170000"/>
+          </a:schemeClr>
+        </a:solidFill>
+        <a:gradFill rotWithShape="1">
+          <a:gsLst>
+            <a:gs pos="0">
+              <a:schemeClr val="phClr">
+                <a:tint val="93000"/>
+                <a:satMod val="150000"/>
+                <a:shade val="98000"/>
+                <a:lumMod val="102000"/>
+              </a:schemeClr>
+            </a:gs>
+            <a:gs pos="50000">
+              <a:schemeClr val="phClr">
+                <a:tint val="98000"/>
+                <a:satMod val="130000"/>
+                <a:shade val="90000"/>
+                <a:lumMod val="103000"/>
+              </a:schemeClr>
+            </a:gs>
+            <a:gs pos="100000">
+              <a:schemeClr val="phClr">
+                <a:shade val="63000"/>
+                <a:satMod val="120000"/>
+              </a:schemeClr>
+            </a:gs>
+          </a:gsLst>
+          <a:lin ang="5400000" scaled="0"/>
+        </a:gradFill>
+      </a:bgFillStyleLst>
+    </a:fmtScheme>
+  </a:themeElements>
+  <a:objectDefaults/>
+  <a:extraClrSchemeLst/>
+  <a:extLst>
+    <a:ext uri="{05A4C25C-085E-4340-85A3-A5531E510DB2}">
+      <thm15:themeFamily xmlns:thm15="http://schemas.microsoft.com/office/thememl/2012/main" name="Office Theme" id="{62F939B6-93AF-4DB8-9C6B-D6C7DFDC589F}" vid="{4A3C46E8-61CC-4603-A589-7422A47A8E4A}"/>
+    </a:ext>
+  </a:extLst>
+</a:theme>
 </file>